--- a/Turma Intensivo - 439 - Noite Julho 2017/Aula 3/Aula de Excel 3.pptx
+++ b/Turma Intensivo - 439 - Noite Julho 2017/Aula 3/Aula de Excel 3.pptx
@@ -5,13 +5,20 @@
     <p:sldMasterId id="2147483678" r:id="rId1"/>
   </p:sldMasterIdLst>
   <p:notesMasterIdLst>
-    <p:notesMasterId r:id="rId6"/>
+    <p:notesMasterId r:id="rId13"/>
   </p:notesMasterIdLst>
   <p:sldIdLst>
     <p:sldId id="256" r:id="rId2"/>
     <p:sldId id="258" r:id="rId3"/>
-    <p:sldId id="297" r:id="rId4"/>
-    <p:sldId id="298" r:id="rId5"/>
+    <p:sldId id="298" r:id="rId4"/>
+    <p:sldId id="304" r:id="rId5"/>
+    <p:sldId id="297" r:id="rId6"/>
+    <p:sldId id="300" r:id="rId7"/>
+    <p:sldId id="303" r:id="rId8"/>
+    <p:sldId id="299" r:id="rId9"/>
+    <p:sldId id="301" r:id="rId10"/>
+    <p:sldId id="302" r:id="rId11"/>
+    <p:sldId id="305" r:id="rId12"/>
   </p:sldIdLst>
   <p:sldSz cx="12192000" cy="6858000"/>
   <p:notesSz cx="6858000" cy="9144000"/>
@@ -118,6 +125,10 @@
 </p:presentation>
 </file>
 
+<file path=ppt/revisionInfo.xml><?xml version="1.0" encoding="utf-8"?>
+<p1510:revInfo xmlns:a="http://schemas.openxmlformats.org/drawingml/2006/main" xmlns:r="http://schemas.openxmlformats.org/officeDocument/2006/relationships" xmlns:p1510="http://schemas.microsoft.com/office/powerpoint/2015/10/main"/>
+</file>
+
 <file path=ppt/notesMasters/notesMaster1.xml><?xml version="1.0" encoding="utf-8"?>
 <p:notesMaster xmlns:a="http://schemas.openxmlformats.org/drawingml/2006/main" xmlns:r="http://schemas.openxmlformats.org/officeDocument/2006/relationships" xmlns:p="http://schemas.openxmlformats.org/presentationml/2006/main">
   <p:cSld>
@@ -200,7 +211,7 @@
           <a:p>
             <a:fld id="{184BBF33-DD10-46B2-A0A7-44165F3356F0}" type="datetimeFigureOut">
               <a:rPr lang="pt-BR" smtClean="0"/>
-              <a:t>22/05/2017</a:t>
+              <a:t>19/07/2017</a:t>
             </a:fld>
             <a:endParaRPr lang="pt-BR"/>
           </a:p>
@@ -646,7 +657,7 @@
           <a:p>
             <a:fld id="{11612DAF-FD73-4975-A585-30AE5A550125}" type="datetimeFigureOut">
               <a:rPr lang="pt-BR" smtClean="0"/>
-              <a:t>22/05/2017</a:t>
+              <a:t>19/07/2017</a:t>
             </a:fld>
             <a:endParaRPr lang="pt-BR"/>
           </a:p>
@@ -826,7 +837,7 @@
           <a:p>
             <a:fld id="{11612DAF-FD73-4975-A585-30AE5A550125}" type="datetimeFigureOut">
               <a:rPr lang="pt-BR" smtClean="0"/>
-              <a:t>22/05/2017</a:t>
+              <a:t>19/07/2017</a:t>
             </a:fld>
             <a:endParaRPr lang="pt-BR"/>
           </a:p>
@@ -1016,7 +1027,7 @@
           <a:p>
             <a:fld id="{11612DAF-FD73-4975-A585-30AE5A550125}" type="datetimeFigureOut">
               <a:rPr lang="pt-BR" smtClean="0"/>
-              <a:t>22/05/2017</a:t>
+              <a:t>19/07/2017</a:t>
             </a:fld>
             <a:endParaRPr lang="pt-BR"/>
           </a:p>
@@ -1196,7 +1207,7 @@
           <a:p>
             <a:fld id="{11612DAF-FD73-4975-A585-30AE5A550125}" type="datetimeFigureOut">
               <a:rPr lang="pt-BR" smtClean="0"/>
-              <a:t>22/05/2017</a:t>
+              <a:t>19/07/2017</a:t>
             </a:fld>
             <a:endParaRPr lang="pt-BR"/>
           </a:p>
@@ -1453,7 +1464,7 @@
           <a:p>
             <a:fld id="{11612DAF-FD73-4975-A585-30AE5A550125}" type="datetimeFigureOut">
               <a:rPr lang="pt-BR" smtClean="0"/>
-              <a:t>22/05/2017</a:t>
+              <a:t>19/07/2017</a:t>
             </a:fld>
             <a:endParaRPr lang="pt-BR"/>
           </a:p>
@@ -1750,7 +1761,7 @@
           <a:p>
             <a:fld id="{11612DAF-FD73-4975-A585-30AE5A550125}" type="datetimeFigureOut">
               <a:rPr lang="pt-BR" smtClean="0"/>
-              <a:t>22/05/2017</a:t>
+              <a:t>19/07/2017</a:t>
             </a:fld>
             <a:endParaRPr lang="pt-BR"/>
           </a:p>
@@ -2186,7 +2197,7 @@
           <a:p>
             <a:fld id="{11612DAF-FD73-4975-A585-30AE5A550125}" type="datetimeFigureOut">
               <a:rPr lang="pt-BR" smtClean="0"/>
-              <a:t>22/05/2017</a:t>
+              <a:t>19/07/2017</a:t>
             </a:fld>
             <a:endParaRPr lang="pt-BR"/>
           </a:p>
@@ -2315,7 +2326,7 @@
           <a:p>
             <a:fld id="{11612DAF-FD73-4975-A585-30AE5A550125}" type="datetimeFigureOut">
               <a:rPr lang="pt-BR" smtClean="0"/>
-              <a:t>22/05/2017</a:t>
+              <a:t>19/07/2017</a:t>
             </a:fld>
             <a:endParaRPr lang="pt-BR"/>
           </a:p>
@@ -2422,7 +2433,7 @@
           <a:p>
             <a:fld id="{11612DAF-FD73-4975-A585-30AE5A550125}" type="datetimeFigureOut">
               <a:rPr lang="pt-BR" smtClean="0"/>
-              <a:t>22/05/2017</a:t>
+              <a:t>19/07/2017</a:t>
             </a:fld>
             <a:endParaRPr lang="pt-BR"/>
           </a:p>
@@ -2709,7 +2720,7 @@
           <a:p>
             <a:fld id="{11612DAF-FD73-4975-A585-30AE5A550125}" type="datetimeFigureOut">
               <a:rPr lang="pt-BR" smtClean="0"/>
-              <a:t>22/05/2017</a:t>
+              <a:t>19/07/2017</a:t>
             </a:fld>
             <a:endParaRPr lang="pt-BR"/>
           </a:p>
@@ -2976,7 +2987,7 @@
           <a:p>
             <a:fld id="{11612DAF-FD73-4975-A585-30AE5A550125}" type="datetimeFigureOut">
               <a:rPr lang="pt-BR" smtClean="0"/>
-              <a:t>22/05/2017</a:t>
+              <a:t>19/07/2017</a:t>
             </a:fld>
             <a:endParaRPr lang="pt-BR"/>
           </a:p>
@@ -3199,7 +3210,7 @@
           <a:p>
             <a:fld id="{11612DAF-FD73-4975-A585-30AE5A550125}" type="datetimeFigureOut">
               <a:rPr lang="pt-BR" smtClean="0"/>
-              <a:t>22/05/2017</a:t>
+              <a:t>19/07/2017</a:t>
             </a:fld>
             <a:endParaRPr lang="pt-BR"/>
           </a:p>
@@ -3887,7 +3898,7 @@
 </p:sld>
 </file>
 
-<file path=ppt/slides/slide2.xml><?xml version="1.0" encoding="utf-8"?>
+<file path=ppt/slides/slide10.xml><?xml version="1.0" encoding="utf-8"?>
 <p:sld xmlns:a="http://schemas.openxmlformats.org/drawingml/2006/main" xmlns:r="http://schemas.openxmlformats.org/officeDocument/2006/relationships" xmlns:p="http://schemas.openxmlformats.org/presentationml/2006/main">
   <p:cSld>
     <p:spTree>
@@ -3968,7 +3979,7 @@
         <p:spPr>
           <a:xfrm>
             <a:off x="-4763" y="80449"/>
-            <a:ext cx="4271963" cy="1223237"/>
+            <a:ext cx="9725538" cy="1223237"/>
           </a:xfrm>
           <a:ln>
             <a:noFill/>
@@ -3998,25 +4009,780 @@
           </a:bodyPr>
           <a:lstStyle/>
           <a:p>
-            <a:r>
-              <a:rPr lang="pt-BR" sz="8000" dirty="0">
+            <a:pPr algn="l"/>
+            <a:r>
+              <a:rPr lang="pt-BR" sz="6000" dirty="0">
                 <a:solidFill>
                   <a:schemeClr val="bg1"/>
                 </a:solidFill>
                 <a:latin typeface="Arial" panose="020B0604020202020204" pitchFamily="34" charset="0"/>
                 <a:cs typeface="Arial" panose="020B0604020202020204" pitchFamily="34" charset="0"/>
               </a:rPr>
-              <a:t>Tópicos</a:t>
-            </a:r>
-            <a:r>
-              <a:rPr lang="pt-BR" sz="9600" dirty="0">
+              <a:t>Tabelas Dinâmicas:</a:t>
+            </a:r>
+            <a:endParaRPr lang="pt-BR" sz="7200" dirty="0">
+              <a:solidFill>
+                <a:schemeClr val="bg1"/>
+              </a:solidFill>
+              <a:latin typeface="Arial" panose="020B0604020202020204" pitchFamily="34" charset="0"/>
+              <a:cs typeface="Arial" panose="020B0604020202020204" pitchFamily="34" charset="0"/>
+            </a:endParaRPr>
+          </a:p>
+        </p:txBody>
+      </p:sp>
+      <p:grpSp>
+        <p:nvGrpSpPr>
+          <p:cNvPr id="3" name="Grupo 2"/>
+          <p:cNvGrpSpPr/>
+          <p:nvPr/>
+        </p:nvGrpSpPr>
+        <p:grpSpPr>
+          <a:xfrm>
+            <a:off x="9009915" y="332447"/>
+            <a:ext cx="3182085" cy="978406"/>
+            <a:chOff x="9009915" y="332447"/>
+            <a:chExt cx="3182085" cy="978406"/>
+          </a:xfrm>
+        </p:grpSpPr>
+        <p:pic>
+          <p:nvPicPr>
+            <p:cNvPr id="1026" name="Picture 2" descr="http://www.ccbeusorocaba.com.br/wp-content/uploads/2014/10/logo-site.png"/>
+            <p:cNvPicPr>
+              <a:picLocks noChangeAspect="1" noChangeArrowheads="1"/>
+            </p:cNvPicPr>
+            <p:nvPr/>
+          </p:nvPicPr>
+          <p:blipFill rotWithShape="1">
+            <a:blip r:embed="rId2">
+              <a:biLevel thresh="25000"/>
+              <a:extLst>
+                <a:ext uri="{28A0092B-C50C-407E-A947-70E740481C1C}">
+                  <a14:useLocalDpi xmlns:a14="http://schemas.microsoft.com/office/drawing/2010/main" val="0"/>
+                </a:ext>
+              </a:extLst>
+            </a:blip>
+            <a:srcRect b="22842"/>
+            <a:stretch/>
+          </p:blipFill>
+          <p:spPr bwMode="auto">
+            <a:xfrm>
+              <a:off x="9009915" y="332447"/>
+              <a:ext cx="3177322" cy="753404"/>
+            </a:xfrm>
+            <a:prstGeom prst="rect">
+              <a:avLst/>
+            </a:prstGeom>
+            <a:noFill/>
+            <a:effectLst/>
+            <a:extLst>
+              <a:ext uri="{909E8E84-426E-40DD-AFC4-6F175D3DCCD1}">
+                <a14:hiddenFill xmlns:a14="http://schemas.microsoft.com/office/drawing/2010/main">
+                  <a:solidFill>
+                    <a:srgbClr val="FFFFFF"/>
+                  </a:solidFill>
+                </a14:hiddenFill>
+              </a:ext>
+            </a:extLst>
+          </p:spPr>
+        </p:pic>
+        <p:pic>
+          <p:nvPicPr>
+            <p:cNvPr id="8" name="Picture 2" descr="http://www.ccbeusorocaba.com.br/wp-content/uploads/2014/10/logo-site.png"/>
+            <p:cNvPicPr>
+              <a:picLocks noChangeAspect="1" noChangeArrowheads="1"/>
+            </p:cNvPicPr>
+            <p:nvPr/>
+          </p:nvPicPr>
+          <p:blipFill rotWithShape="1">
+            <a:blip r:embed="rId3">
+              <a:biLevel thresh="25000"/>
+              <a:extLst>
+                <a:ext uri="{BEBA8EAE-BF5A-486C-A8C5-ECC9F3942E4B}">
+                  <a14:imgProps xmlns:a14="http://schemas.microsoft.com/office/drawing/2010/main">
+                    <a14:imgLayer r:embed="rId4">
+                      <a14:imgEffect>
+                        <a14:brightnessContrast bright="20000" contrast="-40000"/>
+                      </a14:imgEffect>
+                    </a14:imgLayer>
+                  </a14:imgProps>
+                </a:ext>
+                <a:ext uri="{28A0092B-C50C-407E-A947-70E740481C1C}">
+                  <a14:useLocalDpi xmlns:a14="http://schemas.microsoft.com/office/drawing/2010/main" val="0"/>
+                </a:ext>
+              </a:extLst>
+            </a:blip>
+            <a:srcRect t="76760"/>
+            <a:stretch/>
+          </p:blipFill>
+          <p:spPr bwMode="auto">
+            <a:xfrm>
+              <a:off x="9014678" y="1083922"/>
+              <a:ext cx="3177322" cy="226931"/>
+            </a:xfrm>
+            <a:prstGeom prst="rect">
+              <a:avLst/>
+            </a:prstGeom>
+            <a:noFill/>
+            <a:effectLst/>
+            <a:extLst>
+              <a:ext uri="{909E8E84-426E-40DD-AFC4-6F175D3DCCD1}">
+                <a14:hiddenFill xmlns:a14="http://schemas.microsoft.com/office/drawing/2010/main">
+                  <a:solidFill>
+                    <a:srgbClr val="FFFFFF"/>
+                  </a:solidFill>
+                </a14:hiddenFill>
+              </a:ext>
+            </a:extLst>
+          </p:spPr>
+        </p:pic>
+      </p:grpSp>
+      <p:pic>
+        <p:nvPicPr>
+          <p:cNvPr id="9" name="Gráfico 8" descr="Frasco"/>
+          <p:cNvPicPr>
+            <a:picLocks noChangeAspect="1"/>
+          </p:cNvPicPr>
+          <p:nvPr/>
+        </p:nvPicPr>
+        <p:blipFill>
+          <a:blip r:embed="rId5">
+            <a:extLst>
+              <a:ext uri="{28A0092B-C50C-407E-A947-70E740481C1C}">
+                <a14:useLocalDpi xmlns:a14="http://schemas.microsoft.com/office/drawing/2010/main" val="0"/>
+              </a:ext>
+              <a:ext uri="{96DAC541-7B7A-43D3-8B79-37D633B846F1}">
+                <asvg:svgBlip xmlns:asvg="http://schemas.microsoft.com/office/drawing/2016/SVG/main" r:embed="rId6"/>
+              </a:ext>
+            </a:extLst>
+          </a:blip>
+          <a:stretch>
+            <a:fillRect/>
+          </a:stretch>
+        </p:blipFill>
+        <p:spPr>
+          <a:xfrm>
+            <a:off x="11051979" y="5262733"/>
+            <a:ext cx="1595267" cy="1595267"/>
+          </a:xfrm>
+          <a:prstGeom prst="rect">
+            <a:avLst/>
+          </a:prstGeom>
+          <a:ln>
+            <a:noFill/>
+          </a:ln>
+        </p:spPr>
+      </p:pic>
+      <p:pic>
+        <p:nvPicPr>
+          <p:cNvPr id="5" name="Imagem 4">
+            <a:extLst>
+              <a:ext uri="{FF2B5EF4-FFF2-40B4-BE49-F238E27FC236}">
+                <a16:creationId xmlns:a16="http://schemas.microsoft.com/office/drawing/2014/main" id="{B8EEBE75-AC40-410E-94B8-54CE54A4D85D}"/>
+              </a:ext>
+            </a:extLst>
+          </p:cNvPr>
+          <p:cNvPicPr>
+            <a:picLocks noChangeAspect="1"/>
+          </p:cNvPicPr>
+          <p:nvPr/>
+        </p:nvPicPr>
+        <p:blipFill rotWithShape="1">
+          <a:blip r:embed="rId7"/>
+          <a:srcRect t="2395" r="50000" b="39140"/>
+          <a:stretch/>
+        </p:blipFill>
+        <p:spPr>
+          <a:xfrm>
+            <a:off x="205858" y="1762251"/>
+            <a:ext cx="6904891" cy="4539401"/>
+          </a:xfrm>
+          <a:prstGeom prst="rect">
+            <a:avLst/>
+          </a:prstGeom>
+        </p:spPr>
+      </p:pic>
+      <p:sp>
+        <p:nvSpPr>
+          <p:cNvPr id="11" name="Retângulo 10">
+            <a:extLst>
+              <a:ext uri="{FF2B5EF4-FFF2-40B4-BE49-F238E27FC236}">
+                <a16:creationId xmlns:a16="http://schemas.microsoft.com/office/drawing/2014/main" id="{185171D4-C1A3-40AB-8426-1F5CD4905B8D}"/>
+              </a:ext>
+            </a:extLst>
+          </p:cNvPr>
+          <p:cNvSpPr/>
+          <p:nvPr/>
+        </p:nvSpPr>
+        <p:spPr>
+          <a:xfrm>
+            <a:off x="120514" y="2189586"/>
+            <a:ext cx="797168" cy="862165"/>
+          </a:xfrm>
+          <a:prstGeom prst="rect">
+            <a:avLst/>
+          </a:prstGeom>
+          <a:noFill/>
+        </p:spPr>
+        <p:style>
+          <a:lnRef idx="2">
+            <a:schemeClr val="accent2"/>
+          </a:lnRef>
+          <a:fillRef idx="1">
+            <a:schemeClr val="lt1"/>
+          </a:fillRef>
+          <a:effectRef idx="0">
+            <a:schemeClr val="accent2"/>
+          </a:effectRef>
+          <a:fontRef idx="minor">
+            <a:schemeClr val="dk1"/>
+          </a:fontRef>
+        </p:style>
+        <p:txBody>
+          <a:bodyPr rtlCol="0" anchor="ctr"/>
+          <a:lstStyle/>
+          <a:p>
+            <a:pPr algn="ctr"/>
+            <a:endParaRPr lang="pt-BR"/>
+          </a:p>
+        </p:txBody>
+      </p:sp>
+    </p:spTree>
+    <p:extLst>
+      <p:ext uri="{BB962C8B-B14F-4D97-AF65-F5344CB8AC3E}">
+        <p14:creationId xmlns:p14="http://schemas.microsoft.com/office/powerpoint/2010/main" val="120376520"/>
+      </p:ext>
+    </p:extLst>
+  </p:cSld>
+  <p:clrMapOvr>
+    <a:masterClrMapping/>
+  </p:clrMapOvr>
+  <mc:AlternateContent xmlns:mc="http://schemas.openxmlformats.org/markup-compatibility/2006" xmlns:p159="http://schemas.microsoft.com/office/powerpoint/2015/09/main">
+    <mc:Choice Requires="p159">
+      <p:transition xmlns:p14="http://schemas.microsoft.com/office/powerpoint/2010/main" spd="slow" p14:dur="2000">
+        <p159:morph option="byObject"/>
+      </p:transition>
+    </mc:Choice>
+    <mc:Fallback xmlns="">
+      <p:transition spd="slow">
+        <p:fade/>
+      </p:transition>
+    </mc:Fallback>
+  </mc:AlternateContent>
+</p:sld>
+</file>
+
+<file path=ppt/slides/slide11.xml><?xml version="1.0" encoding="utf-8"?>
+<p:sld xmlns:a="http://schemas.openxmlformats.org/drawingml/2006/main" xmlns:r="http://schemas.openxmlformats.org/officeDocument/2006/relationships" xmlns:p="http://schemas.openxmlformats.org/presentationml/2006/main">
+  <p:cSld>
+    <p:spTree>
+      <p:nvGrpSpPr>
+        <p:cNvPr id="1" name=""/>
+        <p:cNvGrpSpPr/>
+        <p:nvPr/>
+      </p:nvGrpSpPr>
+      <p:grpSpPr>
+        <a:xfrm>
+          <a:off x="0" y="0"/>
+          <a:ext cx="0" cy="0"/>
+          <a:chOff x="0" y="0"/>
+          <a:chExt cx="0" cy="0"/>
+        </a:xfrm>
+      </p:grpSpPr>
+      <p:sp>
+        <p:nvSpPr>
+          <p:cNvPr id="6" name="Retângulo 5"/>
+          <p:cNvSpPr/>
+          <p:nvPr/>
+        </p:nvSpPr>
+        <p:spPr>
+          <a:xfrm flipH="1">
+            <a:off x="-4763" y="165794"/>
+            <a:ext cx="12192000" cy="1309753"/>
+          </a:xfrm>
+          <a:prstGeom prst="rect">
+            <a:avLst/>
+          </a:prstGeom>
+          <a:solidFill>
+            <a:srgbClr val="DC474B"/>
+          </a:solidFill>
+          <a:ln>
+            <a:noFill/>
+          </a:ln>
+          <a:effectLst>
+            <a:glow>
+              <a:schemeClr val="accent1"/>
+            </a:glow>
+          </a:effectLst>
+        </p:spPr>
+        <p:style>
+          <a:lnRef idx="2">
+            <a:schemeClr val="accent1">
+              <a:shade val="50000"/>
+            </a:schemeClr>
+          </a:lnRef>
+          <a:fillRef idx="1">
+            <a:schemeClr val="accent1"/>
+          </a:fillRef>
+          <a:effectRef idx="0">
+            <a:schemeClr val="accent1"/>
+          </a:effectRef>
+          <a:fontRef idx="minor">
+            <a:schemeClr val="lt1"/>
+          </a:fontRef>
+        </p:style>
+        <p:txBody>
+          <a:bodyPr rtlCol="0" anchor="ctr"/>
+          <a:lstStyle/>
+          <a:p>
+            <a:pPr algn="ctr"/>
+            <a:endParaRPr lang="pt-BR"/>
+          </a:p>
+        </p:txBody>
+      </p:sp>
+      <p:sp>
+        <p:nvSpPr>
+          <p:cNvPr id="2" name="Título 1"/>
+          <p:cNvSpPr>
+            <a:spLocks noGrp="1"/>
+          </p:cNvSpPr>
+          <p:nvPr>
+            <p:ph type="ctrTitle"/>
+          </p:nvPr>
+        </p:nvSpPr>
+        <p:spPr>
+          <a:xfrm>
+            <a:off x="-4763" y="80449"/>
+            <a:ext cx="9725538" cy="1223237"/>
+          </a:xfrm>
+          <a:ln>
+            <a:noFill/>
+          </a:ln>
+          <a:effectLst>
+            <a:outerShdw blurRad="44450" dist="27940" dir="5400000" algn="ctr">
+              <a:schemeClr val="tx1">
+                <a:alpha val="32000"/>
+              </a:schemeClr>
+            </a:outerShdw>
+          </a:effectLst>
+          <a:scene3d>
+            <a:camera prst="orthographicFront">
+              <a:rot lat="0" lon="0" rev="0"/>
+            </a:camera>
+            <a:lightRig rig="balanced" dir="t">
+              <a:rot lat="0" lon="0" rev="8700000"/>
+            </a:lightRig>
+          </a:scene3d>
+          <a:sp3d>
+            <a:bevelT w="190500" h="38100"/>
+          </a:sp3d>
+        </p:spPr>
+        <p:txBody>
+          <a:bodyPr>
+            <a:noAutofit/>
+          </a:bodyPr>
+          <a:lstStyle/>
+          <a:p>
+            <a:pPr algn="l"/>
+            <a:r>
+              <a:rPr lang="pt-BR" sz="6000" dirty="0">
                 <a:solidFill>
                   <a:schemeClr val="bg1"/>
                 </a:solidFill>
                 <a:latin typeface="Arial" panose="020B0604020202020204" pitchFamily="34" charset="0"/>
                 <a:cs typeface="Arial" panose="020B0604020202020204" pitchFamily="34" charset="0"/>
               </a:rPr>
-              <a:t>:</a:t>
+              <a:t>Gráficos Dinâmicos:</a:t>
+            </a:r>
+            <a:endParaRPr lang="pt-BR" sz="7200" dirty="0">
+              <a:solidFill>
+                <a:schemeClr val="bg1"/>
+              </a:solidFill>
+              <a:latin typeface="Arial" panose="020B0604020202020204" pitchFamily="34" charset="0"/>
+              <a:cs typeface="Arial" panose="020B0604020202020204" pitchFamily="34" charset="0"/>
+            </a:endParaRPr>
+          </a:p>
+        </p:txBody>
+      </p:sp>
+      <p:grpSp>
+        <p:nvGrpSpPr>
+          <p:cNvPr id="3" name="Grupo 2"/>
+          <p:cNvGrpSpPr/>
+          <p:nvPr/>
+        </p:nvGrpSpPr>
+        <p:grpSpPr>
+          <a:xfrm>
+            <a:off x="9009915" y="332447"/>
+            <a:ext cx="3182085" cy="978406"/>
+            <a:chOff x="9009915" y="332447"/>
+            <a:chExt cx="3182085" cy="978406"/>
+          </a:xfrm>
+        </p:grpSpPr>
+        <p:pic>
+          <p:nvPicPr>
+            <p:cNvPr id="1026" name="Picture 2" descr="http://www.ccbeusorocaba.com.br/wp-content/uploads/2014/10/logo-site.png"/>
+            <p:cNvPicPr>
+              <a:picLocks noChangeAspect="1" noChangeArrowheads="1"/>
+            </p:cNvPicPr>
+            <p:nvPr/>
+          </p:nvPicPr>
+          <p:blipFill rotWithShape="1">
+            <a:blip r:embed="rId2">
+              <a:biLevel thresh="25000"/>
+              <a:extLst>
+                <a:ext uri="{28A0092B-C50C-407E-A947-70E740481C1C}">
+                  <a14:useLocalDpi xmlns:a14="http://schemas.microsoft.com/office/drawing/2010/main" val="0"/>
+                </a:ext>
+              </a:extLst>
+            </a:blip>
+            <a:srcRect b="22842"/>
+            <a:stretch/>
+          </p:blipFill>
+          <p:spPr bwMode="auto">
+            <a:xfrm>
+              <a:off x="9009915" y="332447"/>
+              <a:ext cx="3177322" cy="753404"/>
+            </a:xfrm>
+            <a:prstGeom prst="rect">
+              <a:avLst/>
+            </a:prstGeom>
+            <a:noFill/>
+            <a:effectLst/>
+            <a:extLst>
+              <a:ext uri="{909E8E84-426E-40DD-AFC4-6F175D3DCCD1}">
+                <a14:hiddenFill xmlns:a14="http://schemas.microsoft.com/office/drawing/2010/main">
+                  <a:solidFill>
+                    <a:srgbClr val="FFFFFF"/>
+                  </a:solidFill>
+                </a14:hiddenFill>
+              </a:ext>
+            </a:extLst>
+          </p:spPr>
+        </p:pic>
+        <p:pic>
+          <p:nvPicPr>
+            <p:cNvPr id="8" name="Picture 2" descr="http://www.ccbeusorocaba.com.br/wp-content/uploads/2014/10/logo-site.png"/>
+            <p:cNvPicPr>
+              <a:picLocks noChangeAspect="1" noChangeArrowheads="1"/>
+            </p:cNvPicPr>
+            <p:nvPr/>
+          </p:nvPicPr>
+          <p:blipFill rotWithShape="1">
+            <a:blip r:embed="rId3">
+              <a:biLevel thresh="25000"/>
+              <a:extLst>
+                <a:ext uri="{BEBA8EAE-BF5A-486C-A8C5-ECC9F3942E4B}">
+                  <a14:imgProps xmlns:a14="http://schemas.microsoft.com/office/drawing/2010/main">
+                    <a14:imgLayer r:embed="rId4">
+                      <a14:imgEffect>
+                        <a14:brightnessContrast bright="20000" contrast="-40000"/>
+                      </a14:imgEffect>
+                    </a14:imgLayer>
+                  </a14:imgProps>
+                </a:ext>
+                <a:ext uri="{28A0092B-C50C-407E-A947-70E740481C1C}">
+                  <a14:useLocalDpi xmlns:a14="http://schemas.microsoft.com/office/drawing/2010/main" val="0"/>
+                </a:ext>
+              </a:extLst>
+            </a:blip>
+            <a:srcRect t="76760"/>
+            <a:stretch/>
+          </p:blipFill>
+          <p:spPr bwMode="auto">
+            <a:xfrm>
+              <a:off x="9014678" y="1083922"/>
+              <a:ext cx="3177322" cy="226931"/>
+            </a:xfrm>
+            <a:prstGeom prst="rect">
+              <a:avLst/>
+            </a:prstGeom>
+            <a:noFill/>
+            <a:effectLst/>
+            <a:extLst>
+              <a:ext uri="{909E8E84-426E-40DD-AFC4-6F175D3DCCD1}">
+                <a14:hiddenFill xmlns:a14="http://schemas.microsoft.com/office/drawing/2010/main">
+                  <a:solidFill>
+                    <a:srgbClr val="FFFFFF"/>
+                  </a:solidFill>
+                </a14:hiddenFill>
+              </a:ext>
+            </a:extLst>
+          </p:spPr>
+        </p:pic>
+      </p:grpSp>
+      <p:pic>
+        <p:nvPicPr>
+          <p:cNvPr id="9" name="Gráfico 8" descr="Frasco"/>
+          <p:cNvPicPr>
+            <a:picLocks noChangeAspect="1"/>
+          </p:cNvPicPr>
+          <p:nvPr/>
+        </p:nvPicPr>
+        <p:blipFill>
+          <a:blip r:embed="rId5">
+            <a:extLst>
+              <a:ext uri="{28A0092B-C50C-407E-A947-70E740481C1C}">
+                <a14:useLocalDpi xmlns:a14="http://schemas.microsoft.com/office/drawing/2010/main" val="0"/>
+              </a:ext>
+              <a:ext uri="{96DAC541-7B7A-43D3-8B79-37D633B846F1}">
+                <asvg:svgBlip xmlns:asvg="http://schemas.microsoft.com/office/drawing/2016/SVG/main" r:embed="rId6"/>
+              </a:ext>
+            </a:extLst>
+          </a:blip>
+          <a:stretch>
+            <a:fillRect/>
+          </a:stretch>
+        </p:blipFill>
+        <p:spPr>
+          <a:xfrm>
+            <a:off x="11051979" y="5262733"/>
+            <a:ext cx="1595267" cy="1595267"/>
+          </a:xfrm>
+          <a:prstGeom prst="rect">
+            <a:avLst/>
+          </a:prstGeom>
+          <a:ln>
+            <a:noFill/>
+          </a:ln>
+        </p:spPr>
+      </p:pic>
+      <p:sp>
+        <p:nvSpPr>
+          <p:cNvPr id="11" name="Retângulo 10">
+            <a:extLst>
+              <a:ext uri="{FF2B5EF4-FFF2-40B4-BE49-F238E27FC236}">
+                <a16:creationId xmlns:a16="http://schemas.microsoft.com/office/drawing/2014/main" id="{185171D4-C1A3-40AB-8426-1F5CD4905B8D}"/>
+              </a:ext>
+            </a:extLst>
+          </p:cNvPr>
+          <p:cNvSpPr/>
+          <p:nvPr/>
+        </p:nvSpPr>
+        <p:spPr>
+          <a:xfrm>
+            <a:off x="120514" y="2189586"/>
+            <a:ext cx="797168" cy="862165"/>
+          </a:xfrm>
+          <a:prstGeom prst="rect">
+            <a:avLst/>
+          </a:prstGeom>
+          <a:noFill/>
+        </p:spPr>
+        <p:style>
+          <a:lnRef idx="2">
+            <a:schemeClr val="accent2"/>
+          </a:lnRef>
+          <a:fillRef idx="1">
+            <a:schemeClr val="lt1"/>
+          </a:fillRef>
+          <a:effectRef idx="0">
+            <a:schemeClr val="accent2"/>
+          </a:effectRef>
+          <a:fontRef idx="minor">
+            <a:schemeClr val="dk1"/>
+          </a:fontRef>
+        </p:style>
+        <p:txBody>
+          <a:bodyPr rtlCol="0" anchor="ctr"/>
+          <a:lstStyle/>
+          <a:p>
+            <a:pPr algn="ctr"/>
+            <a:endParaRPr lang="pt-BR"/>
+          </a:p>
+        </p:txBody>
+      </p:sp>
+      <p:pic>
+        <p:nvPicPr>
+          <p:cNvPr id="4" name="Picture 2" descr="Imagem relacionada">
+            <a:extLst>
+              <a:ext uri="{FF2B5EF4-FFF2-40B4-BE49-F238E27FC236}">
+                <a16:creationId xmlns:a16="http://schemas.microsoft.com/office/drawing/2014/main" id="{A6D4107E-80BB-405F-9E5F-BDF4FC5A83F6}"/>
+              </a:ext>
+            </a:extLst>
+          </p:cNvPr>
+          <p:cNvPicPr>
+            <a:picLocks noChangeAspect="1" noChangeArrowheads="1"/>
+          </p:cNvPicPr>
+          <p:nvPr/>
+        </p:nvPicPr>
+        <p:blipFill>
+          <a:blip r:embed="rId7">
+            <a:extLst>
+              <a:ext uri="{28A0092B-C50C-407E-A947-70E740481C1C}">
+                <a14:useLocalDpi xmlns:a14="http://schemas.microsoft.com/office/drawing/2010/main" val="0"/>
+              </a:ext>
+            </a:extLst>
+          </a:blip>
+          <a:srcRect/>
+          <a:stretch>
+            <a:fillRect/>
+          </a:stretch>
+        </p:blipFill>
+        <p:spPr bwMode="auto">
+          <a:xfrm>
+            <a:off x="2452307" y="1718120"/>
+            <a:ext cx="5423725" cy="4614214"/>
+          </a:xfrm>
+          <a:prstGeom prst="rect">
+            <a:avLst/>
+          </a:prstGeom>
+          <a:noFill/>
+          <a:extLst>
+            <a:ext uri="{909E8E84-426E-40DD-AFC4-6F175D3DCCD1}">
+              <a14:hiddenFill xmlns:a14="http://schemas.microsoft.com/office/drawing/2010/main">
+                <a:solidFill>
+                  <a:srgbClr val="FFFFFF"/>
+                </a:solidFill>
+              </a14:hiddenFill>
+            </a:ext>
+          </a:extLst>
+        </p:spPr>
+      </p:pic>
+    </p:spTree>
+    <p:extLst>
+      <p:ext uri="{BB962C8B-B14F-4D97-AF65-F5344CB8AC3E}">
+        <p14:creationId xmlns:p14="http://schemas.microsoft.com/office/powerpoint/2010/main" val="1073890666"/>
+      </p:ext>
+    </p:extLst>
+  </p:cSld>
+  <p:clrMapOvr>
+    <a:masterClrMapping/>
+  </p:clrMapOvr>
+  <mc:AlternateContent xmlns:mc="http://schemas.openxmlformats.org/markup-compatibility/2006" xmlns:p159="http://schemas.microsoft.com/office/powerpoint/2015/09/main">
+    <mc:Choice Requires="p159">
+      <p:transition xmlns:p14="http://schemas.microsoft.com/office/powerpoint/2010/main" spd="slow" p14:dur="2000">
+        <p159:morph option="byObject"/>
+      </p:transition>
+    </mc:Choice>
+    <mc:Fallback xmlns="">
+      <p:transition spd="slow">
+        <p:fade/>
+      </p:transition>
+    </mc:Fallback>
+  </mc:AlternateContent>
+</p:sld>
+</file>
+
+<file path=ppt/slides/slide2.xml><?xml version="1.0" encoding="utf-8"?>
+<p:sld xmlns:a="http://schemas.openxmlformats.org/drawingml/2006/main" xmlns:r="http://schemas.openxmlformats.org/officeDocument/2006/relationships" xmlns:p="http://schemas.openxmlformats.org/presentationml/2006/main">
+  <p:cSld>
+    <p:spTree>
+      <p:nvGrpSpPr>
+        <p:cNvPr id="1" name=""/>
+        <p:cNvGrpSpPr/>
+        <p:nvPr/>
+      </p:nvGrpSpPr>
+      <p:grpSpPr>
+        <a:xfrm>
+          <a:off x="0" y="0"/>
+          <a:ext cx="0" cy="0"/>
+          <a:chOff x="0" y="0"/>
+          <a:chExt cx="0" cy="0"/>
+        </a:xfrm>
+      </p:grpSpPr>
+      <p:sp>
+        <p:nvSpPr>
+          <p:cNvPr id="6" name="Retângulo 5"/>
+          <p:cNvSpPr/>
+          <p:nvPr/>
+        </p:nvSpPr>
+        <p:spPr>
+          <a:xfrm flipH="1">
+            <a:off x="-4763" y="165794"/>
+            <a:ext cx="12192000" cy="1309753"/>
+          </a:xfrm>
+          <a:prstGeom prst="rect">
+            <a:avLst/>
+          </a:prstGeom>
+          <a:solidFill>
+            <a:srgbClr val="DC474B"/>
+          </a:solidFill>
+          <a:ln>
+            <a:noFill/>
+          </a:ln>
+          <a:effectLst>
+            <a:glow>
+              <a:schemeClr val="accent1"/>
+            </a:glow>
+          </a:effectLst>
+        </p:spPr>
+        <p:style>
+          <a:lnRef idx="2">
+            <a:schemeClr val="accent1">
+              <a:shade val="50000"/>
+            </a:schemeClr>
+          </a:lnRef>
+          <a:fillRef idx="1">
+            <a:schemeClr val="accent1"/>
+          </a:fillRef>
+          <a:effectRef idx="0">
+            <a:schemeClr val="accent1"/>
+          </a:effectRef>
+          <a:fontRef idx="minor">
+            <a:schemeClr val="lt1"/>
+          </a:fontRef>
+        </p:style>
+        <p:txBody>
+          <a:bodyPr rtlCol="0" anchor="ctr"/>
+          <a:lstStyle/>
+          <a:p>
+            <a:pPr algn="ctr"/>
+            <a:endParaRPr lang="pt-BR"/>
+          </a:p>
+        </p:txBody>
+      </p:sp>
+      <p:sp>
+        <p:nvSpPr>
+          <p:cNvPr id="2" name="Título 1"/>
+          <p:cNvSpPr>
+            <a:spLocks noGrp="1"/>
+          </p:cNvSpPr>
+          <p:nvPr>
+            <p:ph type="ctrTitle"/>
+          </p:nvPr>
+        </p:nvSpPr>
+        <p:spPr>
+          <a:xfrm>
+            <a:off x="-4763" y="80449"/>
+            <a:ext cx="3353753" cy="1223237"/>
+          </a:xfrm>
+          <a:ln>
+            <a:noFill/>
+          </a:ln>
+          <a:effectLst>
+            <a:outerShdw blurRad="44450" dist="27940" dir="5400000" algn="ctr">
+              <a:schemeClr val="tx1">
+                <a:alpha val="32000"/>
+              </a:schemeClr>
+            </a:outerShdw>
+          </a:effectLst>
+          <a:scene3d>
+            <a:camera prst="orthographicFront">
+              <a:rot lat="0" lon="0" rev="0"/>
+            </a:camera>
+            <a:lightRig rig="balanced" dir="t">
+              <a:rot lat="0" lon="0" rev="8700000"/>
+            </a:lightRig>
+          </a:scene3d>
+          <a:sp3d>
+            <a:bevelT w="190500" h="38100"/>
+          </a:sp3d>
+        </p:spPr>
+        <p:txBody>
+          <a:bodyPr>
+            <a:noAutofit/>
+          </a:bodyPr>
+          <a:lstStyle/>
+          <a:p>
+            <a:pPr algn="l"/>
+            <a:r>
+              <a:rPr lang="pt-BR" sz="6000" dirty="0">
+                <a:solidFill>
+                  <a:schemeClr val="bg1"/>
+                </a:solidFill>
+                <a:latin typeface="Arial" panose="020B0604020202020204" pitchFamily="34" charset="0"/>
+                <a:cs typeface="Arial" panose="020B0604020202020204" pitchFamily="34" charset="0"/>
+              </a:rPr>
+              <a:t>Tópicos:</a:t>
             </a:r>
           </a:p>
         </p:txBody>
@@ -4031,8 +4797,8 @@
         </p:nvSpPr>
         <p:spPr>
           <a:xfrm>
-            <a:off x="509583" y="2355061"/>
-            <a:ext cx="10516380" cy="3688552"/>
+            <a:off x="509582" y="2355061"/>
+            <a:ext cx="11450769" cy="3688552"/>
           </a:xfrm>
           <a:prstGeom prst="rect">
             <a:avLst/>
@@ -4085,14 +4851,14 @@
               <a:buChar char="•"/>
             </a:pPr>
             <a:r>
-              <a:rPr lang="pt-BR" sz="4800" dirty="0">
+              <a:rPr lang="pt-BR" sz="4000" dirty="0">
                 <a:solidFill>
                   <a:srgbClr val="255EA9"/>
                 </a:solidFill>
                 <a:latin typeface="Arial" panose="020B0604020202020204" pitchFamily="34" charset="0"/>
                 <a:cs typeface="Arial" panose="020B0604020202020204" pitchFamily="34" charset="0"/>
               </a:rPr>
-              <a:t>Referencias Relativas Absolutas, e Mistas</a:t>
+              <a:t>Referências Relativas Absolutas, e Mistas</a:t>
             </a:r>
           </a:p>
           <a:p>
@@ -4101,7 +4867,7 @@
               <a:buChar char="•"/>
             </a:pPr>
             <a:r>
-              <a:rPr lang="pt-BR" sz="4800" dirty="0">
+              <a:rPr lang="pt-BR" sz="4000" dirty="0">
                 <a:solidFill>
                   <a:srgbClr val="255EA9"/>
                 </a:solidFill>
@@ -4117,7 +4883,7 @@
               <a:buChar char="•"/>
             </a:pPr>
             <a:r>
-              <a:rPr lang="pt-BR" sz="4800" dirty="0">
+              <a:rPr lang="pt-BR" sz="4000" dirty="0">
                 <a:solidFill>
                   <a:srgbClr val="255EA9"/>
                 </a:solidFill>
@@ -4128,14 +4894,52 @@
             </a:r>
           </a:p>
           <a:p>
-            <a:pPr algn="l"/>
-            <a:endParaRPr lang="pt-BR" sz="4800" dirty="0">
-              <a:solidFill>
-                <a:srgbClr val="255EA9"/>
-              </a:solidFill>
-              <a:latin typeface="Arial" panose="020B0604020202020204" pitchFamily="34" charset="0"/>
-              <a:cs typeface="Arial" panose="020B0604020202020204" pitchFamily="34" charset="0"/>
-            </a:endParaRPr>
+            <a:pPr marL="1143000" indent="-1143000" algn="l">
+              <a:buFont typeface="Arial" panose="020B0604020202020204" pitchFamily="34" charset="0"/>
+              <a:buChar char="•"/>
+            </a:pPr>
+            <a:r>
+              <a:rPr lang="pt-BR" sz="4000" dirty="0">
+                <a:solidFill>
+                  <a:srgbClr val="255EA9"/>
+                </a:solidFill>
+                <a:latin typeface="Arial" panose="020B0604020202020204" pitchFamily="34" charset="0"/>
+                <a:cs typeface="Arial" panose="020B0604020202020204" pitchFamily="34" charset="0"/>
+              </a:rPr>
+              <a:t>Auditoria de Fórmulas (Precedentes, Dependentes, Avaliar Fórmulas e Mostrar Fórmulas)</a:t>
+            </a:r>
+          </a:p>
+          <a:p>
+            <a:pPr marL="1143000" indent="-1143000" algn="l">
+              <a:buFont typeface="Arial" panose="020B0604020202020204" pitchFamily="34" charset="0"/>
+              <a:buChar char="•"/>
+            </a:pPr>
+            <a:r>
+              <a:rPr lang="pt-BR" sz="4000" dirty="0">
+                <a:solidFill>
+                  <a:srgbClr val="255EA9"/>
+                </a:solidFill>
+                <a:latin typeface="Arial" panose="020B0604020202020204" pitchFamily="34" charset="0"/>
+                <a:cs typeface="Arial" panose="020B0604020202020204" pitchFamily="34" charset="0"/>
+              </a:rPr>
+              <a:t>Tabelas Dinâmicas</a:t>
+            </a:r>
+          </a:p>
+          <a:p>
+            <a:pPr marL="1143000" indent="-1143000" algn="l">
+              <a:buFont typeface="Arial" panose="020B0604020202020204" pitchFamily="34" charset="0"/>
+              <a:buChar char="•"/>
+            </a:pPr>
+            <a:r>
+              <a:rPr lang="pt-BR" sz="4000" dirty="0">
+                <a:solidFill>
+                  <a:srgbClr val="255EA9"/>
+                </a:solidFill>
+                <a:latin typeface="Arial" panose="020B0604020202020204" pitchFamily="34" charset="0"/>
+                <a:cs typeface="Arial" panose="020B0604020202020204" pitchFamily="34" charset="0"/>
+              </a:rPr>
+              <a:t>Remover dados duplicados</a:t>
+            </a:r>
           </a:p>
         </p:txBody>
       </p:sp>
@@ -4383,24 +5187,1022 @@
           <a:p>
             <a:pPr algn="l"/>
             <a:r>
-              <a:rPr lang="pt-BR" sz="7200" dirty="0">
+              <a:rPr lang="pt-BR" sz="4000" dirty="0">
                 <a:solidFill>
                   <a:schemeClr val="bg1"/>
                 </a:solidFill>
                 <a:latin typeface="Arial" panose="020B0604020202020204" pitchFamily="34" charset="0"/>
                 <a:cs typeface="Arial" panose="020B0604020202020204" pitchFamily="34" charset="0"/>
               </a:rPr>
-              <a:t>Função E, Função OU</a:t>
-            </a:r>
-            <a:r>
-              <a:rPr lang="pt-BR" sz="8800" dirty="0">
+              <a:t>Referencias Relativas Absolutas, e Mistas:</a:t>
+            </a:r>
+            <a:endParaRPr lang="pt-BR" sz="4800" dirty="0">
+              <a:solidFill>
+                <a:schemeClr val="bg1"/>
+              </a:solidFill>
+              <a:latin typeface="Arial" panose="020B0604020202020204" pitchFamily="34" charset="0"/>
+              <a:cs typeface="Arial" panose="020B0604020202020204" pitchFamily="34" charset="0"/>
+            </a:endParaRPr>
+          </a:p>
+        </p:txBody>
+      </p:sp>
+      <p:grpSp>
+        <p:nvGrpSpPr>
+          <p:cNvPr id="3" name="Grupo 2"/>
+          <p:cNvGrpSpPr/>
+          <p:nvPr/>
+        </p:nvGrpSpPr>
+        <p:grpSpPr>
+          <a:xfrm>
+            <a:off x="9009915" y="332447"/>
+            <a:ext cx="3182085" cy="978406"/>
+            <a:chOff x="9009915" y="332447"/>
+            <a:chExt cx="3182085" cy="978406"/>
+          </a:xfrm>
+        </p:grpSpPr>
+        <p:pic>
+          <p:nvPicPr>
+            <p:cNvPr id="1026" name="Picture 2" descr="http://www.ccbeusorocaba.com.br/wp-content/uploads/2014/10/logo-site.png"/>
+            <p:cNvPicPr>
+              <a:picLocks noChangeAspect="1" noChangeArrowheads="1"/>
+            </p:cNvPicPr>
+            <p:nvPr/>
+          </p:nvPicPr>
+          <p:blipFill rotWithShape="1">
+            <a:blip r:embed="rId2">
+              <a:biLevel thresh="25000"/>
+              <a:extLst>
+                <a:ext uri="{28A0092B-C50C-407E-A947-70E740481C1C}">
+                  <a14:useLocalDpi xmlns:a14="http://schemas.microsoft.com/office/drawing/2010/main" val="0"/>
+                </a:ext>
+              </a:extLst>
+            </a:blip>
+            <a:srcRect b="22842"/>
+            <a:stretch/>
+          </p:blipFill>
+          <p:spPr bwMode="auto">
+            <a:xfrm>
+              <a:off x="9009915" y="332447"/>
+              <a:ext cx="3177322" cy="753404"/>
+            </a:xfrm>
+            <a:prstGeom prst="rect">
+              <a:avLst/>
+            </a:prstGeom>
+            <a:noFill/>
+            <a:effectLst/>
+            <a:extLst>
+              <a:ext uri="{909E8E84-426E-40DD-AFC4-6F175D3DCCD1}">
+                <a14:hiddenFill xmlns:a14="http://schemas.microsoft.com/office/drawing/2010/main">
+                  <a:solidFill>
+                    <a:srgbClr val="FFFFFF"/>
+                  </a:solidFill>
+                </a14:hiddenFill>
+              </a:ext>
+            </a:extLst>
+          </p:spPr>
+        </p:pic>
+        <p:pic>
+          <p:nvPicPr>
+            <p:cNvPr id="8" name="Picture 2" descr="http://www.ccbeusorocaba.com.br/wp-content/uploads/2014/10/logo-site.png"/>
+            <p:cNvPicPr>
+              <a:picLocks noChangeAspect="1" noChangeArrowheads="1"/>
+            </p:cNvPicPr>
+            <p:nvPr/>
+          </p:nvPicPr>
+          <p:blipFill rotWithShape="1">
+            <a:blip r:embed="rId3">
+              <a:biLevel thresh="25000"/>
+              <a:extLst>
+                <a:ext uri="{BEBA8EAE-BF5A-486C-A8C5-ECC9F3942E4B}">
+                  <a14:imgProps xmlns:a14="http://schemas.microsoft.com/office/drawing/2010/main">
+                    <a14:imgLayer r:embed="rId4">
+                      <a14:imgEffect>
+                        <a14:brightnessContrast bright="20000" contrast="-40000"/>
+                      </a14:imgEffect>
+                    </a14:imgLayer>
+                  </a14:imgProps>
+                </a:ext>
+                <a:ext uri="{28A0092B-C50C-407E-A947-70E740481C1C}">
+                  <a14:useLocalDpi xmlns:a14="http://schemas.microsoft.com/office/drawing/2010/main" val="0"/>
+                </a:ext>
+              </a:extLst>
+            </a:blip>
+            <a:srcRect t="76760"/>
+            <a:stretch/>
+          </p:blipFill>
+          <p:spPr bwMode="auto">
+            <a:xfrm>
+              <a:off x="9014678" y="1083922"/>
+              <a:ext cx="3177322" cy="226931"/>
+            </a:xfrm>
+            <a:prstGeom prst="rect">
+              <a:avLst/>
+            </a:prstGeom>
+            <a:noFill/>
+            <a:effectLst/>
+            <a:extLst>
+              <a:ext uri="{909E8E84-426E-40DD-AFC4-6F175D3DCCD1}">
+                <a14:hiddenFill xmlns:a14="http://schemas.microsoft.com/office/drawing/2010/main">
+                  <a:solidFill>
+                    <a:srgbClr val="FFFFFF"/>
+                  </a:solidFill>
+                </a14:hiddenFill>
+              </a:ext>
+            </a:extLst>
+          </p:spPr>
+        </p:pic>
+      </p:grpSp>
+      <p:pic>
+        <p:nvPicPr>
+          <p:cNvPr id="9" name="Gráfico 8" descr="Frasco"/>
+          <p:cNvPicPr>
+            <a:picLocks noChangeAspect="1"/>
+          </p:cNvPicPr>
+          <p:nvPr/>
+        </p:nvPicPr>
+        <p:blipFill>
+          <a:blip r:embed="rId5">
+            <a:extLst>
+              <a:ext uri="{28A0092B-C50C-407E-A947-70E740481C1C}">
+                <a14:useLocalDpi xmlns:a14="http://schemas.microsoft.com/office/drawing/2010/main" val="0"/>
+              </a:ext>
+              <a:ext uri="{96DAC541-7B7A-43D3-8B79-37D633B846F1}">
+                <asvg:svgBlip xmlns:asvg="http://schemas.microsoft.com/office/drawing/2016/SVG/main" r:embed="rId6"/>
+              </a:ext>
+            </a:extLst>
+          </a:blip>
+          <a:stretch>
+            <a:fillRect/>
+          </a:stretch>
+        </p:blipFill>
+        <p:spPr>
+          <a:xfrm>
+            <a:off x="11051979" y="5262733"/>
+            <a:ext cx="1595267" cy="1595267"/>
+          </a:xfrm>
+          <a:prstGeom prst="rect">
+            <a:avLst/>
+          </a:prstGeom>
+          <a:ln>
+            <a:noFill/>
+          </a:ln>
+        </p:spPr>
+      </p:pic>
+      <p:pic>
+        <p:nvPicPr>
+          <p:cNvPr id="7" name="Imagem 6"/>
+          <p:cNvPicPr>
+            <a:picLocks noChangeAspect="1"/>
+          </p:cNvPicPr>
+          <p:nvPr/>
+        </p:nvPicPr>
+        <p:blipFill rotWithShape="1">
+          <a:blip r:embed="rId7">
+            <a:duotone>
+              <a:schemeClr val="accent2">
+                <a:shade val="45000"/>
+                <a:satMod val="135000"/>
+              </a:schemeClr>
+              <a:prstClr val="white"/>
+            </a:duotone>
+          </a:blip>
+          <a:srcRect l="27001" t="34065" r="57641" b="23749"/>
+          <a:stretch/>
+        </p:blipFill>
+        <p:spPr>
+          <a:xfrm>
+            <a:off x="807462" y="2003979"/>
+            <a:ext cx="3117702" cy="4564019"/>
+          </a:xfrm>
+          <a:prstGeom prst="rect">
+            <a:avLst/>
+          </a:prstGeom>
+        </p:spPr>
+      </p:pic>
+      <p:pic>
+        <p:nvPicPr>
+          <p:cNvPr id="10" name="Imagem 9">
+            <a:extLst>
+              <a:ext uri="{FF2B5EF4-FFF2-40B4-BE49-F238E27FC236}">
+                <a16:creationId xmlns:a16="http://schemas.microsoft.com/office/drawing/2014/main" id="{CFFBCBEC-9F3B-4A27-9623-7603E523DA9B}"/>
+              </a:ext>
+            </a:extLst>
+          </p:cNvPr>
+          <p:cNvPicPr>
+            <a:picLocks noChangeAspect="1"/>
+          </p:cNvPicPr>
+          <p:nvPr/>
+        </p:nvPicPr>
+        <p:blipFill rotWithShape="1">
+          <a:blip r:embed="rId7">
+            <a:duotone>
+              <a:schemeClr val="accent2">
+                <a:shade val="45000"/>
+                <a:satMod val="135000"/>
+              </a:schemeClr>
+              <a:prstClr val="white"/>
+            </a:duotone>
+          </a:blip>
+          <a:srcRect l="43466" t="34065" r="42097" b="23749"/>
+          <a:stretch/>
+        </p:blipFill>
+        <p:spPr>
+          <a:xfrm>
+            <a:off x="4236858" y="2003978"/>
+            <a:ext cx="2930769" cy="4564019"/>
+          </a:xfrm>
+          <a:prstGeom prst="rect">
+            <a:avLst/>
+          </a:prstGeom>
+        </p:spPr>
+      </p:pic>
+      <p:pic>
+        <p:nvPicPr>
+          <p:cNvPr id="11" name="Imagem 10">
+            <a:extLst>
+              <a:ext uri="{FF2B5EF4-FFF2-40B4-BE49-F238E27FC236}">
+                <a16:creationId xmlns:a16="http://schemas.microsoft.com/office/drawing/2014/main" id="{82FB6AD3-5FF0-4D31-A4F1-A15E69DF35C7}"/>
+              </a:ext>
+            </a:extLst>
+          </p:cNvPr>
+          <p:cNvPicPr>
+            <a:picLocks noChangeAspect="1"/>
+          </p:cNvPicPr>
+          <p:nvPr/>
+        </p:nvPicPr>
+        <p:blipFill rotWithShape="1">
+          <a:blip r:embed="rId7">
+            <a:duotone>
+              <a:schemeClr val="accent2">
+                <a:shade val="45000"/>
+                <a:satMod val="135000"/>
+              </a:schemeClr>
+              <a:prstClr val="white"/>
+            </a:duotone>
+          </a:blip>
+          <a:srcRect l="59491" t="34065" r="24768" b="23749"/>
+          <a:stretch/>
+        </p:blipFill>
+        <p:spPr>
+          <a:xfrm>
+            <a:off x="7512076" y="2003977"/>
+            <a:ext cx="3195453" cy="4564019"/>
+          </a:xfrm>
+          <a:prstGeom prst="rect">
+            <a:avLst/>
+          </a:prstGeom>
+        </p:spPr>
+      </p:pic>
+    </p:spTree>
+    <p:extLst>
+      <p:ext uri="{BB962C8B-B14F-4D97-AF65-F5344CB8AC3E}">
+        <p14:creationId xmlns:p14="http://schemas.microsoft.com/office/powerpoint/2010/main" val="1376125711"/>
+      </p:ext>
+    </p:extLst>
+  </p:cSld>
+  <p:clrMapOvr>
+    <a:masterClrMapping/>
+  </p:clrMapOvr>
+  <mc:AlternateContent xmlns:mc="http://schemas.openxmlformats.org/markup-compatibility/2006" xmlns:p159="http://schemas.microsoft.com/office/powerpoint/2015/09/main">
+    <mc:Choice Requires="p159">
+      <p:transition xmlns:p14="http://schemas.microsoft.com/office/powerpoint/2010/main" spd="slow" p14:dur="2000">
+        <p159:morph option="byObject"/>
+      </p:transition>
+    </mc:Choice>
+    <mc:Fallback xmlns="">
+      <p:transition spd="slow">
+        <p:fade/>
+      </p:transition>
+    </mc:Fallback>
+  </mc:AlternateContent>
+  <p:timing>
+    <p:tnLst>
+      <p:par>
+        <p:cTn id="1" dur="indefinite" restart="never" nodeType="tmRoot">
+          <p:childTnLst>
+            <p:seq concurrent="1" nextAc="seek">
+              <p:cTn id="2" dur="indefinite" nodeType="mainSeq">
+                <p:childTnLst>
+                  <p:par>
+                    <p:cTn id="3" fill="hold">
+                      <p:stCondLst>
+                        <p:cond delay="indefinite"/>
+                      </p:stCondLst>
+                      <p:childTnLst>
+                        <p:par>
+                          <p:cTn id="4" fill="hold">
+                            <p:stCondLst>
+                              <p:cond delay="0"/>
+                            </p:stCondLst>
+                            <p:childTnLst>
+                              <p:par>
+                                <p:cTn id="5" presetID="10" presetClass="entr" presetSubtype="0" fill="hold" nodeType="clickEffect">
+                                  <p:stCondLst>
+                                    <p:cond delay="0"/>
+                                  </p:stCondLst>
+                                  <p:childTnLst>
+                                    <p:set>
+                                      <p:cBhvr>
+                                        <p:cTn id="6" dur="1" fill="hold">
+                                          <p:stCondLst>
+                                            <p:cond delay="0"/>
+                                          </p:stCondLst>
+                                        </p:cTn>
+                                        <p:tgtEl>
+                                          <p:spTgt spid="7"/>
+                                        </p:tgtEl>
+                                        <p:attrNameLst>
+                                          <p:attrName>style.visibility</p:attrName>
+                                        </p:attrNameLst>
+                                      </p:cBhvr>
+                                      <p:to>
+                                        <p:strVal val="visible"/>
+                                      </p:to>
+                                    </p:set>
+                                    <p:animEffect transition="in" filter="fade">
+                                      <p:cBhvr>
+                                        <p:cTn id="7" dur="500"/>
+                                        <p:tgtEl>
+                                          <p:spTgt spid="7"/>
+                                        </p:tgtEl>
+                                      </p:cBhvr>
+                                    </p:animEffect>
+                                  </p:childTnLst>
+                                </p:cTn>
+                              </p:par>
+                            </p:childTnLst>
+                          </p:cTn>
+                        </p:par>
+                      </p:childTnLst>
+                    </p:cTn>
+                  </p:par>
+                  <p:par>
+                    <p:cTn id="8" fill="hold">
+                      <p:stCondLst>
+                        <p:cond delay="indefinite"/>
+                      </p:stCondLst>
+                      <p:childTnLst>
+                        <p:par>
+                          <p:cTn id="9" fill="hold">
+                            <p:stCondLst>
+                              <p:cond delay="0"/>
+                            </p:stCondLst>
+                            <p:childTnLst>
+                              <p:par>
+                                <p:cTn id="10" presetID="10" presetClass="entr" presetSubtype="0" fill="hold" nodeType="clickEffect">
+                                  <p:stCondLst>
+                                    <p:cond delay="0"/>
+                                  </p:stCondLst>
+                                  <p:childTnLst>
+                                    <p:set>
+                                      <p:cBhvr>
+                                        <p:cTn id="11" dur="1" fill="hold">
+                                          <p:stCondLst>
+                                            <p:cond delay="0"/>
+                                          </p:stCondLst>
+                                        </p:cTn>
+                                        <p:tgtEl>
+                                          <p:spTgt spid="10"/>
+                                        </p:tgtEl>
+                                        <p:attrNameLst>
+                                          <p:attrName>style.visibility</p:attrName>
+                                        </p:attrNameLst>
+                                      </p:cBhvr>
+                                      <p:to>
+                                        <p:strVal val="visible"/>
+                                      </p:to>
+                                    </p:set>
+                                    <p:animEffect transition="in" filter="fade">
+                                      <p:cBhvr>
+                                        <p:cTn id="12" dur="500"/>
+                                        <p:tgtEl>
+                                          <p:spTgt spid="10"/>
+                                        </p:tgtEl>
+                                      </p:cBhvr>
+                                    </p:animEffect>
+                                  </p:childTnLst>
+                                </p:cTn>
+                              </p:par>
+                            </p:childTnLst>
+                          </p:cTn>
+                        </p:par>
+                      </p:childTnLst>
+                    </p:cTn>
+                  </p:par>
+                  <p:par>
+                    <p:cTn id="13" fill="hold">
+                      <p:stCondLst>
+                        <p:cond delay="indefinite"/>
+                      </p:stCondLst>
+                      <p:childTnLst>
+                        <p:par>
+                          <p:cTn id="14" fill="hold">
+                            <p:stCondLst>
+                              <p:cond delay="0"/>
+                            </p:stCondLst>
+                            <p:childTnLst>
+                              <p:par>
+                                <p:cTn id="15" presetID="1" presetClass="entr" presetSubtype="0" fill="hold" nodeType="clickEffect">
+                                  <p:stCondLst>
+                                    <p:cond delay="0"/>
+                                  </p:stCondLst>
+                                  <p:childTnLst>
+                                    <p:set>
+                                      <p:cBhvr>
+                                        <p:cTn id="16" dur="1" fill="hold">
+                                          <p:stCondLst>
+                                            <p:cond delay="0"/>
+                                          </p:stCondLst>
+                                        </p:cTn>
+                                        <p:tgtEl>
+                                          <p:spTgt spid="11"/>
+                                        </p:tgtEl>
+                                        <p:attrNameLst>
+                                          <p:attrName>style.visibility</p:attrName>
+                                        </p:attrNameLst>
+                                      </p:cBhvr>
+                                      <p:to>
+                                        <p:strVal val="visible"/>
+                                      </p:to>
+                                    </p:set>
+                                  </p:childTnLst>
+                                </p:cTn>
+                              </p:par>
+                            </p:childTnLst>
+                          </p:cTn>
+                        </p:par>
+                      </p:childTnLst>
+                    </p:cTn>
+                  </p:par>
+                </p:childTnLst>
+              </p:cTn>
+              <p:prevCondLst>
+                <p:cond evt="onPrev" delay="0">
+                  <p:tgtEl>
+                    <p:sldTgt/>
+                  </p:tgtEl>
+                </p:cond>
+              </p:prevCondLst>
+              <p:nextCondLst>
+                <p:cond evt="onNext" delay="0">
+                  <p:tgtEl>
+                    <p:sldTgt/>
+                  </p:tgtEl>
+                </p:cond>
+              </p:nextCondLst>
+            </p:seq>
+          </p:childTnLst>
+        </p:cTn>
+      </p:par>
+    </p:tnLst>
+  </p:timing>
+</p:sld>
+</file>
+
+<file path=ppt/slides/slide4.xml><?xml version="1.0" encoding="utf-8"?>
+<p:sld xmlns:a="http://schemas.openxmlformats.org/drawingml/2006/main" xmlns:r="http://schemas.openxmlformats.org/officeDocument/2006/relationships" xmlns:p="http://schemas.openxmlformats.org/presentationml/2006/main">
+  <p:cSld>
+    <p:spTree>
+      <p:nvGrpSpPr>
+        <p:cNvPr id="1" name=""/>
+        <p:cNvGrpSpPr/>
+        <p:nvPr/>
+      </p:nvGrpSpPr>
+      <p:grpSpPr>
+        <a:xfrm>
+          <a:off x="0" y="0"/>
+          <a:ext cx="0" cy="0"/>
+          <a:chOff x="0" y="0"/>
+          <a:chExt cx="0" cy="0"/>
+        </a:xfrm>
+      </p:grpSpPr>
+      <p:sp>
+        <p:nvSpPr>
+          <p:cNvPr id="6" name="Retângulo 5"/>
+          <p:cNvSpPr/>
+          <p:nvPr/>
+        </p:nvSpPr>
+        <p:spPr>
+          <a:xfrm flipH="1">
+            <a:off x="-4763" y="165794"/>
+            <a:ext cx="12192000" cy="1309753"/>
+          </a:xfrm>
+          <a:prstGeom prst="rect">
+            <a:avLst/>
+          </a:prstGeom>
+          <a:solidFill>
+            <a:srgbClr val="DC474B"/>
+          </a:solidFill>
+          <a:ln>
+            <a:noFill/>
+          </a:ln>
+          <a:effectLst>
+            <a:glow>
+              <a:schemeClr val="accent1"/>
+            </a:glow>
+          </a:effectLst>
+        </p:spPr>
+        <p:style>
+          <a:lnRef idx="2">
+            <a:schemeClr val="accent1">
+              <a:shade val="50000"/>
+            </a:schemeClr>
+          </a:lnRef>
+          <a:fillRef idx="1">
+            <a:schemeClr val="accent1"/>
+          </a:fillRef>
+          <a:effectRef idx="0">
+            <a:schemeClr val="accent1"/>
+          </a:effectRef>
+          <a:fontRef idx="minor">
+            <a:schemeClr val="lt1"/>
+          </a:fontRef>
+        </p:style>
+        <p:txBody>
+          <a:bodyPr rtlCol="0" anchor="ctr"/>
+          <a:lstStyle/>
+          <a:p>
+            <a:pPr algn="ctr"/>
+            <a:endParaRPr lang="pt-BR"/>
+          </a:p>
+        </p:txBody>
+      </p:sp>
+      <p:sp>
+        <p:nvSpPr>
+          <p:cNvPr id="2" name="Título 1"/>
+          <p:cNvSpPr>
+            <a:spLocks noGrp="1"/>
+          </p:cNvSpPr>
+          <p:nvPr>
+            <p:ph type="ctrTitle"/>
+          </p:nvPr>
+        </p:nvSpPr>
+        <p:spPr>
+          <a:xfrm>
+            <a:off x="-4763" y="80449"/>
+            <a:ext cx="9725538" cy="1223237"/>
+          </a:xfrm>
+          <a:ln>
+            <a:noFill/>
+          </a:ln>
+          <a:effectLst>
+            <a:outerShdw blurRad="44450" dist="27940" dir="5400000" algn="ctr">
+              <a:schemeClr val="tx1">
+                <a:alpha val="32000"/>
+              </a:schemeClr>
+            </a:outerShdw>
+          </a:effectLst>
+          <a:scene3d>
+            <a:camera prst="orthographicFront">
+              <a:rot lat="0" lon="0" rev="0"/>
+            </a:camera>
+            <a:lightRig rig="balanced" dir="t">
+              <a:rot lat="0" lon="0" rev="8700000"/>
+            </a:lightRig>
+          </a:scene3d>
+          <a:sp3d>
+            <a:bevelT w="190500" h="38100"/>
+          </a:sp3d>
+        </p:spPr>
+        <p:txBody>
+          <a:bodyPr>
+            <a:noAutofit/>
+          </a:bodyPr>
+          <a:lstStyle/>
+          <a:p>
+            <a:pPr algn="l"/>
+            <a:r>
+              <a:rPr lang="pt-BR" sz="3600" dirty="0">
                 <a:solidFill>
                   <a:schemeClr val="bg1"/>
                 </a:solidFill>
                 <a:latin typeface="Arial" panose="020B0604020202020204" pitchFamily="34" charset="0"/>
                 <a:cs typeface="Arial" panose="020B0604020202020204" pitchFamily="34" charset="0"/>
               </a:rPr>
-              <a:t>:</a:t>
+              <a:t>Exercícios:</a:t>
+            </a:r>
+            <a:r>
+              <a:rPr lang="pt-BR" sz="2400" dirty="0">
+                <a:solidFill>
+                  <a:schemeClr val="bg1"/>
+                </a:solidFill>
+                <a:latin typeface="Arial" panose="020B0604020202020204" pitchFamily="34" charset="0"/>
+                <a:cs typeface="Arial" panose="020B0604020202020204" pitchFamily="34" charset="0"/>
+              </a:rPr>
+              <a:t> Referencias Relativas Absolutas, e Mistas:</a:t>
+            </a:r>
+            <a:endParaRPr lang="pt-BR" sz="4800" dirty="0">
+              <a:solidFill>
+                <a:schemeClr val="bg1"/>
+              </a:solidFill>
+              <a:latin typeface="Arial" panose="020B0604020202020204" pitchFamily="34" charset="0"/>
+              <a:cs typeface="Arial" panose="020B0604020202020204" pitchFamily="34" charset="0"/>
+            </a:endParaRPr>
+          </a:p>
+        </p:txBody>
+      </p:sp>
+      <p:grpSp>
+        <p:nvGrpSpPr>
+          <p:cNvPr id="3" name="Grupo 2"/>
+          <p:cNvGrpSpPr/>
+          <p:nvPr/>
+        </p:nvGrpSpPr>
+        <p:grpSpPr>
+          <a:xfrm>
+            <a:off x="9009915" y="332447"/>
+            <a:ext cx="3182085" cy="978406"/>
+            <a:chOff x="9009915" y="332447"/>
+            <a:chExt cx="3182085" cy="978406"/>
+          </a:xfrm>
+        </p:grpSpPr>
+        <p:pic>
+          <p:nvPicPr>
+            <p:cNvPr id="1026" name="Picture 2" descr="http://www.ccbeusorocaba.com.br/wp-content/uploads/2014/10/logo-site.png"/>
+            <p:cNvPicPr>
+              <a:picLocks noChangeAspect="1" noChangeArrowheads="1"/>
+            </p:cNvPicPr>
+            <p:nvPr/>
+          </p:nvPicPr>
+          <p:blipFill rotWithShape="1">
+            <a:blip r:embed="rId2">
+              <a:biLevel thresh="25000"/>
+              <a:extLst>
+                <a:ext uri="{28A0092B-C50C-407E-A947-70E740481C1C}">
+                  <a14:useLocalDpi xmlns:a14="http://schemas.microsoft.com/office/drawing/2010/main" val="0"/>
+                </a:ext>
+              </a:extLst>
+            </a:blip>
+            <a:srcRect b="22842"/>
+            <a:stretch/>
+          </p:blipFill>
+          <p:spPr bwMode="auto">
+            <a:xfrm>
+              <a:off x="9009915" y="332447"/>
+              <a:ext cx="3177322" cy="753404"/>
+            </a:xfrm>
+            <a:prstGeom prst="rect">
+              <a:avLst/>
+            </a:prstGeom>
+            <a:noFill/>
+            <a:effectLst/>
+            <a:extLst>
+              <a:ext uri="{909E8E84-426E-40DD-AFC4-6F175D3DCCD1}">
+                <a14:hiddenFill xmlns:a14="http://schemas.microsoft.com/office/drawing/2010/main">
+                  <a:solidFill>
+                    <a:srgbClr val="FFFFFF"/>
+                  </a:solidFill>
+                </a14:hiddenFill>
+              </a:ext>
+            </a:extLst>
+          </p:spPr>
+        </p:pic>
+        <p:pic>
+          <p:nvPicPr>
+            <p:cNvPr id="8" name="Picture 2" descr="http://www.ccbeusorocaba.com.br/wp-content/uploads/2014/10/logo-site.png"/>
+            <p:cNvPicPr>
+              <a:picLocks noChangeAspect="1" noChangeArrowheads="1"/>
+            </p:cNvPicPr>
+            <p:nvPr/>
+          </p:nvPicPr>
+          <p:blipFill rotWithShape="1">
+            <a:blip r:embed="rId3">
+              <a:biLevel thresh="25000"/>
+              <a:extLst>
+                <a:ext uri="{BEBA8EAE-BF5A-486C-A8C5-ECC9F3942E4B}">
+                  <a14:imgProps xmlns:a14="http://schemas.microsoft.com/office/drawing/2010/main">
+                    <a14:imgLayer r:embed="rId4">
+                      <a14:imgEffect>
+                        <a14:brightnessContrast bright="20000" contrast="-40000"/>
+                      </a14:imgEffect>
+                    </a14:imgLayer>
+                  </a14:imgProps>
+                </a:ext>
+                <a:ext uri="{28A0092B-C50C-407E-A947-70E740481C1C}">
+                  <a14:useLocalDpi xmlns:a14="http://schemas.microsoft.com/office/drawing/2010/main" val="0"/>
+                </a:ext>
+              </a:extLst>
+            </a:blip>
+            <a:srcRect t="76760"/>
+            <a:stretch/>
+          </p:blipFill>
+          <p:spPr bwMode="auto">
+            <a:xfrm>
+              <a:off x="9014678" y="1083922"/>
+              <a:ext cx="3177322" cy="226931"/>
+            </a:xfrm>
+            <a:prstGeom prst="rect">
+              <a:avLst/>
+            </a:prstGeom>
+            <a:noFill/>
+            <a:effectLst/>
+            <a:extLst>
+              <a:ext uri="{909E8E84-426E-40DD-AFC4-6F175D3DCCD1}">
+                <a14:hiddenFill xmlns:a14="http://schemas.microsoft.com/office/drawing/2010/main">
+                  <a:solidFill>
+                    <a:srgbClr val="FFFFFF"/>
+                  </a:solidFill>
+                </a14:hiddenFill>
+              </a:ext>
+            </a:extLst>
+          </p:spPr>
+        </p:pic>
+      </p:grpSp>
+      <p:pic>
+        <p:nvPicPr>
+          <p:cNvPr id="9" name="Gráfico 8" descr="Frasco"/>
+          <p:cNvPicPr>
+            <a:picLocks noChangeAspect="1"/>
+          </p:cNvPicPr>
+          <p:nvPr/>
+        </p:nvPicPr>
+        <p:blipFill>
+          <a:blip r:embed="rId5">
+            <a:extLst>
+              <a:ext uri="{28A0092B-C50C-407E-A947-70E740481C1C}">
+                <a14:useLocalDpi xmlns:a14="http://schemas.microsoft.com/office/drawing/2010/main" val="0"/>
+              </a:ext>
+              <a:ext uri="{96DAC541-7B7A-43D3-8B79-37D633B846F1}">
+                <asvg:svgBlip xmlns:asvg="http://schemas.microsoft.com/office/drawing/2016/SVG/main" r:embed="rId6"/>
+              </a:ext>
+            </a:extLst>
+          </a:blip>
+          <a:stretch>
+            <a:fillRect/>
+          </a:stretch>
+        </p:blipFill>
+        <p:spPr>
+          <a:xfrm>
+            <a:off x="11051979" y="5262733"/>
+            <a:ext cx="1595267" cy="1595267"/>
+          </a:xfrm>
+          <a:prstGeom prst="rect">
+            <a:avLst/>
+          </a:prstGeom>
+          <a:ln>
+            <a:noFill/>
+          </a:ln>
+        </p:spPr>
+      </p:pic>
+      <p:sp>
+        <p:nvSpPr>
+          <p:cNvPr id="12" name="Título 1">
+            <a:extLst>
+              <a:ext uri="{FF2B5EF4-FFF2-40B4-BE49-F238E27FC236}">
+                <a16:creationId xmlns:a16="http://schemas.microsoft.com/office/drawing/2014/main" id="{99D9660D-A3F0-4E2A-8898-3C22A160EA2A}"/>
+              </a:ext>
+            </a:extLst>
+          </p:cNvPr>
+          <p:cNvSpPr txBox="1">
+            <a:spLocks/>
+          </p:cNvSpPr>
+          <p:nvPr/>
+        </p:nvSpPr>
+        <p:spPr>
+          <a:xfrm>
+            <a:off x="192590" y="1560891"/>
+            <a:ext cx="11450769" cy="3926843"/>
+          </a:xfrm>
+          <a:prstGeom prst="rect">
+            <a:avLst/>
+          </a:prstGeom>
+          <a:ln>
+            <a:noFill/>
+          </a:ln>
+          <a:effectLst>
+            <a:outerShdw blurRad="44450" dist="27940" dir="5400000" algn="ctr">
+              <a:srgbClr val="000000">
+                <a:alpha val="32000"/>
+              </a:srgbClr>
+            </a:outerShdw>
+          </a:effectLst>
+          <a:scene3d>
+            <a:camera prst="orthographicFront">
+              <a:rot lat="0" lon="0" rev="0"/>
+            </a:camera>
+            <a:lightRig rig="balanced" dir="t">
+              <a:rot lat="0" lon="0" rev="8700000"/>
+            </a:lightRig>
+          </a:scene3d>
+          <a:sp3d>
+            <a:bevelT w="190500" h="38100"/>
+          </a:sp3d>
+        </p:spPr>
+        <p:txBody>
+          <a:bodyPr vert="horz" lIns="91440" tIns="45720" rIns="91440" bIns="45720" rtlCol="0" anchor="ctr">
+            <a:noAutofit/>
+          </a:bodyPr>
+          <a:lstStyle>
+            <a:lvl1pPr algn="ctr" defTabSz="1218804" rtl="0" eaLnBrk="1" latinLnBrk="0" hangingPunct="1">
+              <a:spcBef>
+                <a:spcPct val="0"/>
+              </a:spcBef>
+              <a:buNone/>
+              <a:defRPr sz="5865" kern="1200">
+                <a:solidFill>
+                  <a:schemeClr val="tx1"/>
+                </a:solidFill>
+                <a:latin typeface="+mj-lt"/>
+                <a:ea typeface="+mj-ea"/>
+                <a:cs typeface="+mj-cs"/>
+              </a:defRPr>
+            </a:lvl1pPr>
+          </a:lstStyle>
+          <a:p>
+            <a:pPr marL="1143000" indent="-1143000" algn="l">
+              <a:buFont typeface="Arial" panose="020B0604020202020204" pitchFamily="34" charset="0"/>
+              <a:buChar char="•"/>
+            </a:pPr>
+            <a:r>
+              <a:rPr lang="pt-BR" sz="4000" dirty="0">
+                <a:solidFill>
+                  <a:srgbClr val="255EA9"/>
+                </a:solidFill>
+                <a:latin typeface="Arial" panose="020B0604020202020204" pitchFamily="34" charset="0"/>
+                <a:cs typeface="Arial" panose="020B0604020202020204" pitchFamily="34" charset="0"/>
+              </a:rPr>
+              <a:t>Crie uma nova aba na planilha vendas por trimestre, copie remova os dados duplicados da coluna categoria.</a:t>
+            </a:r>
+          </a:p>
+          <a:p>
+            <a:pPr marL="1143000" indent="-1143000" algn="l">
+              <a:buFont typeface="Arial" panose="020B0604020202020204" pitchFamily="34" charset="0"/>
+              <a:buChar char="•"/>
+            </a:pPr>
+            <a:r>
+              <a:rPr lang="pt-BR" sz="4000" dirty="0">
+                <a:solidFill>
+                  <a:srgbClr val="255EA9"/>
+                </a:solidFill>
+                <a:latin typeface="Arial" panose="020B0604020202020204" pitchFamily="34" charset="0"/>
+                <a:cs typeface="Arial" panose="020B0604020202020204" pitchFamily="34" charset="0"/>
+              </a:rPr>
+              <a:t>Crie uma tabela utilizando soma se (travando as linhas e colunas)</a:t>
+            </a:r>
+          </a:p>
+          <a:p>
+            <a:pPr marL="1143000" indent="-1143000" algn="l">
+              <a:buFont typeface="Arial" panose="020B0604020202020204" pitchFamily="34" charset="0"/>
+              <a:buChar char="•"/>
+            </a:pPr>
+            <a:r>
+              <a:rPr lang="pt-BR" sz="4000" dirty="0">
+                <a:solidFill>
+                  <a:srgbClr val="255EA9"/>
+                </a:solidFill>
+                <a:latin typeface="Arial" panose="020B0604020202020204" pitchFamily="34" charset="0"/>
+                <a:cs typeface="Arial" panose="020B0604020202020204" pitchFamily="34" charset="0"/>
+              </a:rPr>
+              <a:t>Colunas por trimestre e uma com total</a:t>
+            </a:r>
+          </a:p>
+        </p:txBody>
+      </p:sp>
+    </p:spTree>
+    <p:extLst>
+      <p:ext uri="{BB962C8B-B14F-4D97-AF65-F5344CB8AC3E}">
+        <p14:creationId xmlns:p14="http://schemas.microsoft.com/office/powerpoint/2010/main" val="4040741038"/>
+      </p:ext>
+    </p:extLst>
+  </p:cSld>
+  <p:clrMapOvr>
+    <a:masterClrMapping/>
+  </p:clrMapOvr>
+  <mc:AlternateContent xmlns:mc="http://schemas.openxmlformats.org/markup-compatibility/2006" xmlns:p159="http://schemas.microsoft.com/office/powerpoint/2015/09/main">
+    <mc:Choice Requires="p159">
+      <p:transition xmlns:p14="http://schemas.microsoft.com/office/powerpoint/2010/main" spd="slow" p14:dur="2000">
+        <p159:morph option="byObject"/>
+      </p:transition>
+    </mc:Choice>
+    <mc:Fallback xmlns="">
+      <p:transition spd="slow">
+        <p:fade/>
+      </p:transition>
+    </mc:Fallback>
+  </mc:AlternateContent>
+</p:sld>
+</file>
+
+<file path=ppt/slides/slide5.xml><?xml version="1.0" encoding="utf-8"?>
+<p:sld xmlns:a="http://schemas.openxmlformats.org/drawingml/2006/main" xmlns:r="http://schemas.openxmlformats.org/officeDocument/2006/relationships" xmlns:p="http://schemas.openxmlformats.org/presentationml/2006/main">
+  <p:cSld>
+    <p:spTree>
+      <p:nvGrpSpPr>
+        <p:cNvPr id="1" name=""/>
+        <p:cNvGrpSpPr/>
+        <p:nvPr/>
+      </p:nvGrpSpPr>
+      <p:grpSpPr>
+        <a:xfrm>
+          <a:off x="0" y="0"/>
+          <a:ext cx="0" cy="0"/>
+          <a:chOff x="0" y="0"/>
+          <a:chExt cx="0" cy="0"/>
+        </a:xfrm>
+      </p:grpSpPr>
+      <p:sp>
+        <p:nvSpPr>
+          <p:cNvPr id="6" name="Retângulo 5"/>
+          <p:cNvSpPr/>
+          <p:nvPr/>
+        </p:nvSpPr>
+        <p:spPr>
+          <a:xfrm flipH="1">
+            <a:off x="-4763" y="165794"/>
+            <a:ext cx="12192000" cy="1309753"/>
+          </a:xfrm>
+          <a:prstGeom prst="rect">
+            <a:avLst/>
+          </a:prstGeom>
+          <a:solidFill>
+            <a:srgbClr val="DC474B"/>
+          </a:solidFill>
+          <a:ln>
+            <a:noFill/>
+          </a:ln>
+          <a:effectLst>
+            <a:glow>
+              <a:schemeClr val="accent1"/>
+            </a:glow>
+          </a:effectLst>
+        </p:spPr>
+        <p:style>
+          <a:lnRef idx="2">
+            <a:schemeClr val="accent1">
+              <a:shade val="50000"/>
+            </a:schemeClr>
+          </a:lnRef>
+          <a:fillRef idx="1">
+            <a:schemeClr val="accent1"/>
+          </a:fillRef>
+          <a:effectRef idx="0">
+            <a:schemeClr val="accent1"/>
+          </a:effectRef>
+          <a:fontRef idx="minor">
+            <a:schemeClr val="lt1"/>
+          </a:fontRef>
+        </p:style>
+        <p:txBody>
+          <a:bodyPr rtlCol="0" anchor="ctr"/>
+          <a:lstStyle/>
+          <a:p>
+            <a:pPr algn="ctr"/>
+            <a:endParaRPr lang="pt-BR"/>
+          </a:p>
+        </p:txBody>
+      </p:sp>
+      <p:sp>
+        <p:nvSpPr>
+          <p:cNvPr id="2" name="Título 1"/>
+          <p:cNvSpPr>
+            <a:spLocks noGrp="1"/>
+          </p:cNvSpPr>
+          <p:nvPr>
+            <p:ph type="ctrTitle"/>
+          </p:nvPr>
+        </p:nvSpPr>
+        <p:spPr>
+          <a:xfrm>
+            <a:off x="-4763" y="80449"/>
+            <a:ext cx="9725538" cy="1223237"/>
+          </a:xfrm>
+          <a:ln>
+            <a:noFill/>
+          </a:ln>
+          <a:effectLst>
+            <a:outerShdw blurRad="44450" dist="27940" dir="5400000" algn="ctr">
+              <a:schemeClr val="tx1">
+                <a:alpha val="32000"/>
+              </a:schemeClr>
+            </a:outerShdw>
+          </a:effectLst>
+          <a:scene3d>
+            <a:camera prst="orthographicFront">
+              <a:rot lat="0" lon="0" rev="0"/>
+            </a:camera>
+            <a:lightRig rig="balanced" dir="t">
+              <a:rot lat="0" lon="0" rev="8700000"/>
+            </a:lightRig>
+          </a:scene3d>
+          <a:sp3d>
+            <a:bevelT w="190500" h="38100"/>
+          </a:sp3d>
+        </p:spPr>
+        <p:txBody>
+          <a:bodyPr>
+            <a:noAutofit/>
+          </a:bodyPr>
+          <a:lstStyle/>
+          <a:p>
+            <a:pPr algn="l"/>
+            <a:r>
+              <a:rPr lang="pt-BR" sz="6000" dirty="0">
+                <a:solidFill>
+                  <a:schemeClr val="bg1"/>
+                </a:solidFill>
+                <a:latin typeface="Arial" panose="020B0604020202020204" pitchFamily="34" charset="0"/>
+                <a:cs typeface="Arial" panose="020B0604020202020204" pitchFamily="34" charset="0"/>
+              </a:rPr>
+              <a:t>Função E, Função OU:</a:t>
             </a:r>
           </a:p>
         </p:txBody>
@@ -5729,7 +7531,7 @@
 </p:sld>
 </file>
 
-<file path=ppt/slides/slide4.xml><?xml version="1.0" encoding="utf-8"?>
+<file path=ppt/slides/slide6.xml><?xml version="1.0" encoding="utf-8"?>
 <p:sld xmlns:a="http://schemas.openxmlformats.org/drawingml/2006/main" xmlns:r="http://schemas.openxmlformats.org/officeDocument/2006/relationships" xmlns:p="http://schemas.openxmlformats.org/presentationml/2006/main">
   <p:cSld>
     <p:spTree>
@@ -5842,16 +7644,16 @@
           <a:p>
             <a:pPr algn="l"/>
             <a:r>
-              <a:rPr lang="pt-BR" sz="3600" dirty="0">
+              <a:rPr lang="pt-BR" sz="6000" dirty="0">
                 <a:solidFill>
                   <a:schemeClr val="bg1"/>
                 </a:solidFill>
                 <a:latin typeface="Arial" panose="020B0604020202020204" pitchFamily="34" charset="0"/>
                 <a:cs typeface="Arial" panose="020B0604020202020204" pitchFamily="34" charset="0"/>
               </a:rPr>
-              <a:t>Referencias Relativas Absolutas, e Mistas:</a:t>
-            </a:r>
-            <a:endParaRPr lang="pt-BR" sz="4400" dirty="0">
+              <a:t>Auditoria de Fórmulas:</a:t>
+            </a:r>
+            <a:endParaRPr lang="pt-BR" sz="7200" dirty="0">
               <a:solidFill>
                 <a:schemeClr val="bg1"/>
               </a:solidFill>
@@ -6005,7 +7807,13 @@
       </p:pic>
       <p:pic>
         <p:nvPicPr>
-          <p:cNvPr id="7" name="Imagem 6"/>
+          <p:cNvPr id="7" name="Imagem 6">
+            <a:extLst>
+              <a:ext uri="{FF2B5EF4-FFF2-40B4-BE49-F238E27FC236}">
+                <a16:creationId xmlns:a16="http://schemas.microsoft.com/office/drawing/2014/main" id="{D0C9A655-7382-4AAC-ADC1-789590DBAB97}"/>
+              </a:ext>
+            </a:extLst>
+          </p:cNvPr>
           <p:cNvPicPr>
             <a:picLocks noChangeAspect="1"/>
           </p:cNvPicPr>
@@ -6013,23 +7821,1628 @@
         </p:nvPicPr>
         <p:blipFill rotWithShape="1">
           <a:blip r:embed="rId7"/>
-          <a:srcRect l="27001" t="34065" r="24768" b="23749"/>
+          <a:srcRect t="4825" r="15000" b="57268"/>
           <a:stretch/>
         </p:blipFill>
         <p:spPr>
           <a:xfrm>
-            <a:off x="956603" y="1837326"/>
-            <a:ext cx="9791114" cy="4564019"/>
+            <a:off x="235376" y="3155674"/>
+            <a:ext cx="11532744" cy="2891557"/>
           </a:xfrm>
           <a:prstGeom prst="rect">
             <a:avLst/>
           </a:prstGeom>
         </p:spPr>
       </p:pic>
+      <p:sp>
+        <p:nvSpPr>
+          <p:cNvPr id="14" name="Título 1">
+            <a:extLst>
+              <a:ext uri="{FF2B5EF4-FFF2-40B4-BE49-F238E27FC236}">
+                <a16:creationId xmlns:a16="http://schemas.microsoft.com/office/drawing/2014/main" id="{F45631A8-B52C-4414-B92F-086576C58BD0}"/>
+              </a:ext>
+            </a:extLst>
+          </p:cNvPr>
+          <p:cNvSpPr txBox="1">
+            <a:spLocks/>
+          </p:cNvSpPr>
+          <p:nvPr/>
+        </p:nvSpPr>
+        <p:spPr>
+          <a:xfrm>
+            <a:off x="509583" y="2009521"/>
+            <a:ext cx="6747002" cy="810170"/>
+          </a:xfrm>
+          <a:prstGeom prst="rect">
+            <a:avLst/>
+          </a:prstGeom>
+          <a:ln>
+            <a:noFill/>
+          </a:ln>
+          <a:effectLst>
+            <a:outerShdw blurRad="44450" dist="27940" dir="5400000" algn="ctr">
+              <a:srgbClr val="000000">
+                <a:alpha val="32000"/>
+              </a:srgbClr>
+            </a:outerShdw>
+          </a:effectLst>
+          <a:scene3d>
+            <a:camera prst="orthographicFront">
+              <a:rot lat="0" lon="0" rev="0"/>
+            </a:camera>
+            <a:lightRig rig="balanced" dir="t">
+              <a:rot lat="0" lon="0" rev="8700000"/>
+            </a:lightRig>
+          </a:scene3d>
+          <a:sp3d>
+            <a:bevelT w="190500" h="38100"/>
+          </a:sp3d>
+        </p:spPr>
+        <p:txBody>
+          <a:bodyPr vert="horz" lIns="91440" tIns="45720" rIns="91440" bIns="45720" rtlCol="0" anchor="ctr">
+            <a:noAutofit/>
+          </a:bodyPr>
+          <a:lstStyle>
+            <a:lvl1pPr algn="ctr" defTabSz="1218804" rtl="0" eaLnBrk="1" latinLnBrk="0" hangingPunct="1">
+              <a:spcBef>
+                <a:spcPct val="0"/>
+              </a:spcBef>
+              <a:buNone/>
+              <a:defRPr sz="5865" kern="1200">
+                <a:solidFill>
+                  <a:schemeClr val="tx1"/>
+                </a:solidFill>
+                <a:latin typeface="+mj-lt"/>
+                <a:ea typeface="+mj-ea"/>
+                <a:cs typeface="+mj-cs"/>
+              </a:defRPr>
+            </a:lvl1pPr>
+          </a:lstStyle>
+          <a:p>
+            <a:pPr marL="1143000" indent="-1143000" algn="l">
+              <a:buFont typeface="Arial" panose="020B0604020202020204" pitchFamily="34" charset="0"/>
+              <a:buChar char="•"/>
+            </a:pPr>
+            <a:r>
+              <a:rPr lang="pt-BR" sz="4800" dirty="0">
+                <a:solidFill>
+                  <a:srgbClr val="255EA9"/>
+                </a:solidFill>
+                <a:latin typeface="Arial" panose="020B0604020202020204" pitchFamily="34" charset="0"/>
+                <a:cs typeface="Arial" panose="020B0604020202020204" pitchFamily="34" charset="0"/>
+              </a:rPr>
+              <a:t>Precedentes</a:t>
+            </a:r>
+          </a:p>
+        </p:txBody>
+      </p:sp>
+      <p:sp>
+        <p:nvSpPr>
+          <p:cNvPr id="10" name="Retângulo 9">
+            <a:extLst>
+              <a:ext uri="{FF2B5EF4-FFF2-40B4-BE49-F238E27FC236}">
+                <a16:creationId xmlns:a16="http://schemas.microsoft.com/office/drawing/2014/main" id="{2EF8A7E2-6F53-4A67-BBB2-2E37AB2031B3}"/>
+              </a:ext>
+            </a:extLst>
+          </p:cNvPr>
+          <p:cNvSpPr/>
+          <p:nvPr/>
+        </p:nvSpPr>
+        <p:spPr>
+          <a:xfrm>
+            <a:off x="8525732" y="3372973"/>
+            <a:ext cx="1520475" cy="296820"/>
+          </a:xfrm>
+          <a:prstGeom prst="rect">
+            <a:avLst/>
+          </a:prstGeom>
+          <a:noFill/>
+        </p:spPr>
+        <p:style>
+          <a:lnRef idx="2">
+            <a:schemeClr val="accent2"/>
+          </a:lnRef>
+          <a:fillRef idx="1">
+            <a:schemeClr val="lt1"/>
+          </a:fillRef>
+          <a:effectRef idx="0">
+            <a:schemeClr val="accent2"/>
+          </a:effectRef>
+          <a:fontRef idx="minor">
+            <a:schemeClr val="dk1"/>
+          </a:fontRef>
+        </p:style>
+        <p:txBody>
+          <a:bodyPr rtlCol="0" anchor="ctr"/>
+          <a:lstStyle/>
+          <a:p>
+            <a:pPr algn="ctr"/>
+            <a:endParaRPr lang="pt-BR"/>
+          </a:p>
+        </p:txBody>
+      </p:sp>
     </p:spTree>
     <p:extLst>
       <p:ext uri="{BB962C8B-B14F-4D97-AF65-F5344CB8AC3E}">
-        <p14:creationId xmlns:p14="http://schemas.microsoft.com/office/powerpoint/2010/main" val="1376125711"/>
+        <p14:creationId xmlns:p14="http://schemas.microsoft.com/office/powerpoint/2010/main" val="1133186270"/>
+      </p:ext>
+    </p:extLst>
+  </p:cSld>
+  <p:clrMapOvr>
+    <a:masterClrMapping/>
+  </p:clrMapOvr>
+  <mc:AlternateContent xmlns:mc="http://schemas.openxmlformats.org/markup-compatibility/2006" xmlns:p159="http://schemas.microsoft.com/office/powerpoint/2015/09/main">
+    <mc:Choice Requires="p159">
+      <p:transition xmlns:p14="http://schemas.microsoft.com/office/powerpoint/2010/main" spd="slow" p14:dur="2000">
+        <p159:morph option="byObject"/>
+      </p:transition>
+    </mc:Choice>
+    <mc:Fallback xmlns="">
+      <p:transition spd="slow">
+        <p:fade/>
+      </p:transition>
+    </mc:Fallback>
+  </mc:AlternateContent>
+</p:sld>
+</file>
+
+<file path=ppt/slides/slide7.xml><?xml version="1.0" encoding="utf-8"?>
+<p:sld xmlns:a="http://schemas.openxmlformats.org/drawingml/2006/main" xmlns:r="http://schemas.openxmlformats.org/officeDocument/2006/relationships" xmlns:p="http://schemas.openxmlformats.org/presentationml/2006/main">
+  <p:cSld>
+    <p:spTree>
+      <p:nvGrpSpPr>
+        <p:cNvPr id="1" name=""/>
+        <p:cNvGrpSpPr/>
+        <p:nvPr/>
+      </p:nvGrpSpPr>
+      <p:grpSpPr>
+        <a:xfrm>
+          <a:off x="0" y="0"/>
+          <a:ext cx="0" cy="0"/>
+          <a:chOff x="0" y="0"/>
+          <a:chExt cx="0" cy="0"/>
+        </a:xfrm>
+      </p:grpSpPr>
+      <p:sp>
+        <p:nvSpPr>
+          <p:cNvPr id="6" name="Retângulo 5"/>
+          <p:cNvSpPr/>
+          <p:nvPr/>
+        </p:nvSpPr>
+        <p:spPr>
+          <a:xfrm flipH="1">
+            <a:off x="-4763" y="165794"/>
+            <a:ext cx="12192000" cy="1309753"/>
+          </a:xfrm>
+          <a:prstGeom prst="rect">
+            <a:avLst/>
+          </a:prstGeom>
+          <a:solidFill>
+            <a:srgbClr val="DC474B"/>
+          </a:solidFill>
+          <a:ln>
+            <a:noFill/>
+          </a:ln>
+          <a:effectLst>
+            <a:glow>
+              <a:schemeClr val="accent1"/>
+            </a:glow>
+          </a:effectLst>
+        </p:spPr>
+        <p:style>
+          <a:lnRef idx="2">
+            <a:schemeClr val="accent1">
+              <a:shade val="50000"/>
+            </a:schemeClr>
+          </a:lnRef>
+          <a:fillRef idx="1">
+            <a:schemeClr val="accent1"/>
+          </a:fillRef>
+          <a:effectRef idx="0">
+            <a:schemeClr val="accent1"/>
+          </a:effectRef>
+          <a:fontRef idx="minor">
+            <a:schemeClr val="lt1"/>
+          </a:fontRef>
+        </p:style>
+        <p:txBody>
+          <a:bodyPr rtlCol="0" anchor="ctr"/>
+          <a:lstStyle/>
+          <a:p>
+            <a:pPr algn="ctr"/>
+            <a:endParaRPr lang="pt-BR"/>
+          </a:p>
+        </p:txBody>
+      </p:sp>
+      <p:sp>
+        <p:nvSpPr>
+          <p:cNvPr id="2" name="Título 1"/>
+          <p:cNvSpPr>
+            <a:spLocks noGrp="1"/>
+          </p:cNvSpPr>
+          <p:nvPr>
+            <p:ph type="ctrTitle"/>
+          </p:nvPr>
+        </p:nvSpPr>
+        <p:spPr>
+          <a:xfrm>
+            <a:off x="-4763" y="80449"/>
+            <a:ext cx="9725538" cy="1223237"/>
+          </a:xfrm>
+          <a:ln>
+            <a:noFill/>
+          </a:ln>
+          <a:effectLst>
+            <a:outerShdw blurRad="44450" dist="27940" dir="5400000" algn="ctr">
+              <a:schemeClr val="tx1">
+                <a:alpha val="32000"/>
+              </a:schemeClr>
+            </a:outerShdw>
+          </a:effectLst>
+          <a:scene3d>
+            <a:camera prst="orthographicFront">
+              <a:rot lat="0" lon="0" rev="0"/>
+            </a:camera>
+            <a:lightRig rig="balanced" dir="t">
+              <a:rot lat="0" lon="0" rev="8700000"/>
+            </a:lightRig>
+          </a:scene3d>
+          <a:sp3d>
+            <a:bevelT w="190500" h="38100"/>
+          </a:sp3d>
+        </p:spPr>
+        <p:txBody>
+          <a:bodyPr>
+            <a:noAutofit/>
+          </a:bodyPr>
+          <a:lstStyle/>
+          <a:p>
+            <a:pPr algn="l"/>
+            <a:r>
+              <a:rPr lang="pt-BR" sz="6000" dirty="0">
+                <a:solidFill>
+                  <a:schemeClr val="bg1"/>
+                </a:solidFill>
+                <a:latin typeface="Arial" panose="020B0604020202020204" pitchFamily="34" charset="0"/>
+                <a:cs typeface="Arial" panose="020B0604020202020204" pitchFamily="34" charset="0"/>
+              </a:rPr>
+              <a:t>Auditoria de Fórmulas:</a:t>
+            </a:r>
+            <a:endParaRPr lang="pt-BR" sz="7200" dirty="0">
+              <a:solidFill>
+                <a:schemeClr val="bg1"/>
+              </a:solidFill>
+              <a:latin typeface="Arial" panose="020B0604020202020204" pitchFamily="34" charset="0"/>
+              <a:cs typeface="Arial" panose="020B0604020202020204" pitchFamily="34" charset="0"/>
+            </a:endParaRPr>
+          </a:p>
+        </p:txBody>
+      </p:sp>
+      <p:grpSp>
+        <p:nvGrpSpPr>
+          <p:cNvPr id="3" name="Grupo 2"/>
+          <p:cNvGrpSpPr/>
+          <p:nvPr/>
+        </p:nvGrpSpPr>
+        <p:grpSpPr>
+          <a:xfrm>
+            <a:off x="9009915" y="332447"/>
+            <a:ext cx="3182085" cy="978406"/>
+            <a:chOff x="9009915" y="332447"/>
+            <a:chExt cx="3182085" cy="978406"/>
+          </a:xfrm>
+        </p:grpSpPr>
+        <p:pic>
+          <p:nvPicPr>
+            <p:cNvPr id="1026" name="Picture 2" descr="http://www.ccbeusorocaba.com.br/wp-content/uploads/2014/10/logo-site.png"/>
+            <p:cNvPicPr>
+              <a:picLocks noChangeAspect="1" noChangeArrowheads="1"/>
+            </p:cNvPicPr>
+            <p:nvPr/>
+          </p:nvPicPr>
+          <p:blipFill rotWithShape="1">
+            <a:blip r:embed="rId2">
+              <a:biLevel thresh="25000"/>
+              <a:extLst>
+                <a:ext uri="{28A0092B-C50C-407E-A947-70E740481C1C}">
+                  <a14:useLocalDpi xmlns:a14="http://schemas.microsoft.com/office/drawing/2010/main" val="0"/>
+                </a:ext>
+              </a:extLst>
+            </a:blip>
+            <a:srcRect b="22842"/>
+            <a:stretch/>
+          </p:blipFill>
+          <p:spPr bwMode="auto">
+            <a:xfrm>
+              <a:off x="9009915" y="332447"/>
+              <a:ext cx="3177322" cy="753404"/>
+            </a:xfrm>
+            <a:prstGeom prst="rect">
+              <a:avLst/>
+            </a:prstGeom>
+            <a:noFill/>
+            <a:effectLst/>
+            <a:extLst>
+              <a:ext uri="{909E8E84-426E-40DD-AFC4-6F175D3DCCD1}">
+                <a14:hiddenFill xmlns:a14="http://schemas.microsoft.com/office/drawing/2010/main">
+                  <a:solidFill>
+                    <a:srgbClr val="FFFFFF"/>
+                  </a:solidFill>
+                </a14:hiddenFill>
+              </a:ext>
+            </a:extLst>
+          </p:spPr>
+        </p:pic>
+        <p:pic>
+          <p:nvPicPr>
+            <p:cNvPr id="8" name="Picture 2" descr="http://www.ccbeusorocaba.com.br/wp-content/uploads/2014/10/logo-site.png"/>
+            <p:cNvPicPr>
+              <a:picLocks noChangeAspect="1" noChangeArrowheads="1"/>
+            </p:cNvPicPr>
+            <p:nvPr/>
+          </p:nvPicPr>
+          <p:blipFill rotWithShape="1">
+            <a:blip r:embed="rId3">
+              <a:biLevel thresh="25000"/>
+              <a:extLst>
+                <a:ext uri="{BEBA8EAE-BF5A-486C-A8C5-ECC9F3942E4B}">
+                  <a14:imgProps xmlns:a14="http://schemas.microsoft.com/office/drawing/2010/main">
+                    <a14:imgLayer r:embed="rId4">
+                      <a14:imgEffect>
+                        <a14:brightnessContrast bright="20000" contrast="-40000"/>
+                      </a14:imgEffect>
+                    </a14:imgLayer>
+                  </a14:imgProps>
+                </a:ext>
+                <a:ext uri="{28A0092B-C50C-407E-A947-70E740481C1C}">
+                  <a14:useLocalDpi xmlns:a14="http://schemas.microsoft.com/office/drawing/2010/main" val="0"/>
+                </a:ext>
+              </a:extLst>
+            </a:blip>
+            <a:srcRect t="76760"/>
+            <a:stretch/>
+          </p:blipFill>
+          <p:spPr bwMode="auto">
+            <a:xfrm>
+              <a:off x="9014678" y="1083922"/>
+              <a:ext cx="3177322" cy="226931"/>
+            </a:xfrm>
+            <a:prstGeom prst="rect">
+              <a:avLst/>
+            </a:prstGeom>
+            <a:noFill/>
+            <a:effectLst/>
+            <a:extLst>
+              <a:ext uri="{909E8E84-426E-40DD-AFC4-6F175D3DCCD1}">
+                <a14:hiddenFill xmlns:a14="http://schemas.microsoft.com/office/drawing/2010/main">
+                  <a:solidFill>
+                    <a:srgbClr val="FFFFFF"/>
+                  </a:solidFill>
+                </a14:hiddenFill>
+              </a:ext>
+            </a:extLst>
+          </p:spPr>
+        </p:pic>
+      </p:grpSp>
+      <p:pic>
+        <p:nvPicPr>
+          <p:cNvPr id="9" name="Gráfico 8" descr="Frasco"/>
+          <p:cNvPicPr>
+            <a:picLocks noChangeAspect="1"/>
+          </p:cNvPicPr>
+          <p:nvPr/>
+        </p:nvPicPr>
+        <p:blipFill>
+          <a:blip r:embed="rId5">
+            <a:extLst>
+              <a:ext uri="{28A0092B-C50C-407E-A947-70E740481C1C}">
+                <a14:useLocalDpi xmlns:a14="http://schemas.microsoft.com/office/drawing/2010/main" val="0"/>
+              </a:ext>
+              <a:ext uri="{96DAC541-7B7A-43D3-8B79-37D633B846F1}">
+                <asvg:svgBlip xmlns:asvg="http://schemas.microsoft.com/office/drawing/2016/SVG/main" r:embed="rId6"/>
+              </a:ext>
+            </a:extLst>
+          </a:blip>
+          <a:stretch>
+            <a:fillRect/>
+          </a:stretch>
+        </p:blipFill>
+        <p:spPr>
+          <a:xfrm>
+            <a:off x="11051979" y="5262733"/>
+            <a:ext cx="1595267" cy="1595267"/>
+          </a:xfrm>
+          <a:prstGeom prst="rect">
+            <a:avLst/>
+          </a:prstGeom>
+          <a:ln>
+            <a:noFill/>
+          </a:ln>
+        </p:spPr>
+      </p:pic>
+      <p:sp>
+        <p:nvSpPr>
+          <p:cNvPr id="14" name="Título 1">
+            <a:extLst>
+              <a:ext uri="{FF2B5EF4-FFF2-40B4-BE49-F238E27FC236}">
+                <a16:creationId xmlns:a16="http://schemas.microsoft.com/office/drawing/2014/main" id="{F45631A8-B52C-4414-B92F-086576C58BD0}"/>
+              </a:ext>
+            </a:extLst>
+          </p:cNvPr>
+          <p:cNvSpPr txBox="1">
+            <a:spLocks/>
+          </p:cNvSpPr>
+          <p:nvPr/>
+        </p:nvSpPr>
+        <p:spPr>
+          <a:xfrm>
+            <a:off x="509583" y="2009521"/>
+            <a:ext cx="6747002" cy="810170"/>
+          </a:xfrm>
+          <a:prstGeom prst="rect">
+            <a:avLst/>
+          </a:prstGeom>
+          <a:ln>
+            <a:noFill/>
+          </a:ln>
+          <a:effectLst>
+            <a:outerShdw blurRad="44450" dist="27940" dir="5400000" algn="ctr">
+              <a:srgbClr val="000000">
+                <a:alpha val="32000"/>
+              </a:srgbClr>
+            </a:outerShdw>
+          </a:effectLst>
+          <a:scene3d>
+            <a:camera prst="orthographicFront">
+              <a:rot lat="0" lon="0" rev="0"/>
+            </a:camera>
+            <a:lightRig rig="balanced" dir="t">
+              <a:rot lat="0" lon="0" rev="8700000"/>
+            </a:lightRig>
+          </a:scene3d>
+          <a:sp3d>
+            <a:bevelT w="190500" h="38100"/>
+          </a:sp3d>
+        </p:spPr>
+        <p:txBody>
+          <a:bodyPr vert="horz" lIns="91440" tIns="45720" rIns="91440" bIns="45720" rtlCol="0" anchor="ctr">
+            <a:noAutofit/>
+          </a:bodyPr>
+          <a:lstStyle>
+            <a:lvl1pPr algn="ctr" defTabSz="1218804" rtl="0" eaLnBrk="1" latinLnBrk="0" hangingPunct="1">
+              <a:spcBef>
+                <a:spcPct val="0"/>
+              </a:spcBef>
+              <a:buNone/>
+              <a:defRPr sz="5865" kern="1200">
+                <a:solidFill>
+                  <a:schemeClr val="tx1"/>
+                </a:solidFill>
+                <a:latin typeface="+mj-lt"/>
+                <a:ea typeface="+mj-ea"/>
+                <a:cs typeface="+mj-cs"/>
+              </a:defRPr>
+            </a:lvl1pPr>
+          </a:lstStyle>
+          <a:p>
+            <a:pPr marL="1143000" indent="-1143000" algn="l">
+              <a:buFont typeface="Arial" panose="020B0604020202020204" pitchFamily="34" charset="0"/>
+              <a:buChar char="•"/>
+            </a:pPr>
+            <a:r>
+              <a:rPr lang="pt-BR" sz="4800" dirty="0">
+                <a:solidFill>
+                  <a:srgbClr val="255EA9"/>
+                </a:solidFill>
+                <a:latin typeface="Arial" panose="020B0604020202020204" pitchFamily="34" charset="0"/>
+                <a:cs typeface="Arial" panose="020B0604020202020204" pitchFamily="34" charset="0"/>
+              </a:rPr>
+              <a:t>Dependentes</a:t>
+            </a:r>
+          </a:p>
+        </p:txBody>
+      </p:sp>
+      <p:pic>
+        <p:nvPicPr>
+          <p:cNvPr id="4" name="Imagem 3">
+            <a:extLst>
+              <a:ext uri="{FF2B5EF4-FFF2-40B4-BE49-F238E27FC236}">
+                <a16:creationId xmlns:a16="http://schemas.microsoft.com/office/drawing/2014/main" id="{7B3A5F90-D3B9-439E-A97B-91DCCEA5147B}"/>
+              </a:ext>
+            </a:extLst>
+          </p:cNvPr>
+          <p:cNvPicPr>
+            <a:picLocks noChangeAspect="1"/>
+          </p:cNvPicPr>
+          <p:nvPr/>
+        </p:nvPicPr>
+        <p:blipFill rotWithShape="1">
+          <a:blip r:embed="rId7"/>
+          <a:srcRect t="2395" r="12404" b="53164"/>
+          <a:stretch/>
+        </p:blipFill>
+        <p:spPr>
+          <a:xfrm>
+            <a:off x="372256" y="3014037"/>
+            <a:ext cx="11210144" cy="3197629"/>
+          </a:xfrm>
+          <a:prstGeom prst="rect">
+            <a:avLst/>
+          </a:prstGeom>
+        </p:spPr>
+      </p:pic>
+      <p:sp>
+        <p:nvSpPr>
+          <p:cNvPr id="10" name="Retângulo 9">
+            <a:extLst>
+              <a:ext uri="{FF2B5EF4-FFF2-40B4-BE49-F238E27FC236}">
+                <a16:creationId xmlns:a16="http://schemas.microsoft.com/office/drawing/2014/main" id="{F04FFB8D-8224-42B0-9D42-97562129D5C1}"/>
+              </a:ext>
+            </a:extLst>
+          </p:cNvPr>
+          <p:cNvSpPr/>
+          <p:nvPr/>
+        </p:nvSpPr>
+        <p:spPr>
+          <a:xfrm>
+            <a:off x="8383884" y="3670109"/>
+            <a:ext cx="1252062" cy="231331"/>
+          </a:xfrm>
+          <a:prstGeom prst="rect">
+            <a:avLst/>
+          </a:prstGeom>
+          <a:noFill/>
+        </p:spPr>
+        <p:style>
+          <a:lnRef idx="2">
+            <a:schemeClr val="accent2"/>
+          </a:lnRef>
+          <a:fillRef idx="1">
+            <a:schemeClr val="lt1"/>
+          </a:fillRef>
+          <a:effectRef idx="0">
+            <a:schemeClr val="accent2"/>
+          </a:effectRef>
+          <a:fontRef idx="minor">
+            <a:schemeClr val="dk1"/>
+          </a:fontRef>
+        </p:style>
+        <p:txBody>
+          <a:bodyPr rtlCol="0" anchor="ctr"/>
+          <a:lstStyle/>
+          <a:p>
+            <a:pPr algn="ctr"/>
+            <a:endParaRPr lang="pt-BR">
+              <a:effectLst>
+                <a:glow rad="139700">
+                  <a:schemeClr val="accent2">
+                    <a:satMod val="175000"/>
+                    <a:alpha val="40000"/>
+                  </a:schemeClr>
+                </a:glow>
+              </a:effectLst>
+            </a:endParaRPr>
+          </a:p>
+        </p:txBody>
+      </p:sp>
+    </p:spTree>
+    <p:extLst>
+      <p:ext uri="{BB962C8B-B14F-4D97-AF65-F5344CB8AC3E}">
+        <p14:creationId xmlns:p14="http://schemas.microsoft.com/office/powerpoint/2010/main" val="3409577865"/>
+      </p:ext>
+    </p:extLst>
+  </p:cSld>
+  <p:clrMapOvr>
+    <a:masterClrMapping/>
+  </p:clrMapOvr>
+  <mc:AlternateContent xmlns:mc="http://schemas.openxmlformats.org/markup-compatibility/2006" xmlns:p159="http://schemas.microsoft.com/office/powerpoint/2015/09/main">
+    <mc:Choice Requires="p159">
+      <p:transition xmlns:p14="http://schemas.microsoft.com/office/powerpoint/2010/main" spd="slow" p14:dur="2000">
+        <p159:morph option="byObject"/>
+      </p:transition>
+    </mc:Choice>
+    <mc:Fallback xmlns="">
+      <p:transition spd="slow">
+        <p:fade/>
+      </p:transition>
+    </mc:Fallback>
+  </mc:AlternateContent>
+</p:sld>
+</file>
+
+<file path=ppt/slides/slide8.xml><?xml version="1.0" encoding="utf-8"?>
+<p:sld xmlns:a="http://schemas.openxmlformats.org/drawingml/2006/main" xmlns:r="http://schemas.openxmlformats.org/officeDocument/2006/relationships" xmlns:p="http://schemas.openxmlformats.org/presentationml/2006/main">
+  <p:cSld>
+    <p:spTree>
+      <p:nvGrpSpPr>
+        <p:cNvPr id="1" name=""/>
+        <p:cNvGrpSpPr/>
+        <p:nvPr/>
+      </p:nvGrpSpPr>
+      <p:grpSpPr>
+        <a:xfrm>
+          <a:off x="0" y="0"/>
+          <a:ext cx="0" cy="0"/>
+          <a:chOff x="0" y="0"/>
+          <a:chExt cx="0" cy="0"/>
+        </a:xfrm>
+      </p:grpSpPr>
+      <p:sp>
+        <p:nvSpPr>
+          <p:cNvPr id="6" name="Retângulo 5"/>
+          <p:cNvSpPr/>
+          <p:nvPr/>
+        </p:nvSpPr>
+        <p:spPr>
+          <a:xfrm flipH="1">
+            <a:off x="-4763" y="165794"/>
+            <a:ext cx="12192000" cy="1309753"/>
+          </a:xfrm>
+          <a:prstGeom prst="rect">
+            <a:avLst/>
+          </a:prstGeom>
+          <a:solidFill>
+            <a:srgbClr val="DC474B"/>
+          </a:solidFill>
+          <a:ln>
+            <a:noFill/>
+          </a:ln>
+          <a:effectLst>
+            <a:glow>
+              <a:schemeClr val="accent1"/>
+            </a:glow>
+          </a:effectLst>
+        </p:spPr>
+        <p:style>
+          <a:lnRef idx="2">
+            <a:schemeClr val="accent1">
+              <a:shade val="50000"/>
+            </a:schemeClr>
+          </a:lnRef>
+          <a:fillRef idx="1">
+            <a:schemeClr val="accent1"/>
+          </a:fillRef>
+          <a:effectRef idx="0">
+            <a:schemeClr val="accent1"/>
+          </a:effectRef>
+          <a:fontRef idx="minor">
+            <a:schemeClr val="lt1"/>
+          </a:fontRef>
+        </p:style>
+        <p:txBody>
+          <a:bodyPr rtlCol="0" anchor="ctr"/>
+          <a:lstStyle/>
+          <a:p>
+            <a:pPr algn="ctr"/>
+            <a:endParaRPr lang="pt-BR"/>
+          </a:p>
+        </p:txBody>
+      </p:sp>
+      <p:sp>
+        <p:nvSpPr>
+          <p:cNvPr id="2" name="Título 1"/>
+          <p:cNvSpPr>
+            <a:spLocks noGrp="1"/>
+          </p:cNvSpPr>
+          <p:nvPr>
+            <p:ph type="ctrTitle"/>
+          </p:nvPr>
+        </p:nvSpPr>
+        <p:spPr>
+          <a:xfrm>
+            <a:off x="-4763" y="80449"/>
+            <a:ext cx="9725538" cy="1223237"/>
+          </a:xfrm>
+          <a:ln>
+            <a:noFill/>
+          </a:ln>
+          <a:effectLst>
+            <a:outerShdw blurRad="44450" dist="27940" dir="5400000" algn="ctr">
+              <a:schemeClr val="tx1">
+                <a:alpha val="32000"/>
+              </a:schemeClr>
+            </a:outerShdw>
+          </a:effectLst>
+          <a:scene3d>
+            <a:camera prst="orthographicFront">
+              <a:rot lat="0" lon="0" rev="0"/>
+            </a:camera>
+            <a:lightRig rig="balanced" dir="t">
+              <a:rot lat="0" lon="0" rev="8700000"/>
+            </a:lightRig>
+          </a:scene3d>
+          <a:sp3d>
+            <a:bevelT w="190500" h="38100"/>
+          </a:sp3d>
+        </p:spPr>
+        <p:txBody>
+          <a:bodyPr>
+            <a:noAutofit/>
+          </a:bodyPr>
+          <a:lstStyle/>
+          <a:p>
+            <a:pPr algn="l"/>
+            <a:r>
+              <a:rPr lang="pt-BR" sz="6000" dirty="0">
+                <a:solidFill>
+                  <a:schemeClr val="bg1"/>
+                </a:solidFill>
+                <a:latin typeface="Arial" panose="020B0604020202020204" pitchFamily="34" charset="0"/>
+                <a:cs typeface="Arial" panose="020B0604020202020204" pitchFamily="34" charset="0"/>
+              </a:rPr>
+              <a:t>Auditoria de Fórmulas:</a:t>
+            </a:r>
+            <a:endParaRPr lang="pt-BR" sz="7200" dirty="0">
+              <a:solidFill>
+                <a:schemeClr val="bg1"/>
+              </a:solidFill>
+              <a:latin typeface="Arial" panose="020B0604020202020204" pitchFamily="34" charset="0"/>
+              <a:cs typeface="Arial" panose="020B0604020202020204" pitchFamily="34" charset="0"/>
+            </a:endParaRPr>
+          </a:p>
+        </p:txBody>
+      </p:sp>
+      <p:grpSp>
+        <p:nvGrpSpPr>
+          <p:cNvPr id="3" name="Grupo 2"/>
+          <p:cNvGrpSpPr/>
+          <p:nvPr/>
+        </p:nvGrpSpPr>
+        <p:grpSpPr>
+          <a:xfrm>
+            <a:off x="9009915" y="332447"/>
+            <a:ext cx="3182085" cy="978406"/>
+            <a:chOff x="9009915" y="332447"/>
+            <a:chExt cx="3182085" cy="978406"/>
+          </a:xfrm>
+        </p:grpSpPr>
+        <p:pic>
+          <p:nvPicPr>
+            <p:cNvPr id="1026" name="Picture 2" descr="http://www.ccbeusorocaba.com.br/wp-content/uploads/2014/10/logo-site.png"/>
+            <p:cNvPicPr>
+              <a:picLocks noChangeAspect="1" noChangeArrowheads="1"/>
+            </p:cNvPicPr>
+            <p:nvPr/>
+          </p:nvPicPr>
+          <p:blipFill rotWithShape="1">
+            <a:blip r:embed="rId2">
+              <a:biLevel thresh="25000"/>
+              <a:extLst>
+                <a:ext uri="{28A0092B-C50C-407E-A947-70E740481C1C}">
+                  <a14:useLocalDpi xmlns:a14="http://schemas.microsoft.com/office/drawing/2010/main" val="0"/>
+                </a:ext>
+              </a:extLst>
+            </a:blip>
+            <a:srcRect b="22842"/>
+            <a:stretch/>
+          </p:blipFill>
+          <p:spPr bwMode="auto">
+            <a:xfrm>
+              <a:off x="9009915" y="332447"/>
+              <a:ext cx="3177322" cy="753404"/>
+            </a:xfrm>
+            <a:prstGeom prst="rect">
+              <a:avLst/>
+            </a:prstGeom>
+            <a:noFill/>
+            <a:effectLst/>
+            <a:extLst>
+              <a:ext uri="{909E8E84-426E-40DD-AFC4-6F175D3DCCD1}">
+                <a14:hiddenFill xmlns:a14="http://schemas.microsoft.com/office/drawing/2010/main">
+                  <a:solidFill>
+                    <a:srgbClr val="FFFFFF"/>
+                  </a:solidFill>
+                </a14:hiddenFill>
+              </a:ext>
+            </a:extLst>
+          </p:spPr>
+        </p:pic>
+        <p:pic>
+          <p:nvPicPr>
+            <p:cNvPr id="8" name="Picture 2" descr="http://www.ccbeusorocaba.com.br/wp-content/uploads/2014/10/logo-site.png"/>
+            <p:cNvPicPr>
+              <a:picLocks noChangeAspect="1" noChangeArrowheads="1"/>
+            </p:cNvPicPr>
+            <p:nvPr/>
+          </p:nvPicPr>
+          <p:blipFill rotWithShape="1">
+            <a:blip r:embed="rId3">
+              <a:biLevel thresh="25000"/>
+              <a:extLst>
+                <a:ext uri="{BEBA8EAE-BF5A-486C-A8C5-ECC9F3942E4B}">
+                  <a14:imgProps xmlns:a14="http://schemas.microsoft.com/office/drawing/2010/main">
+                    <a14:imgLayer r:embed="rId4">
+                      <a14:imgEffect>
+                        <a14:brightnessContrast bright="20000" contrast="-40000"/>
+                      </a14:imgEffect>
+                    </a14:imgLayer>
+                  </a14:imgProps>
+                </a:ext>
+                <a:ext uri="{28A0092B-C50C-407E-A947-70E740481C1C}">
+                  <a14:useLocalDpi xmlns:a14="http://schemas.microsoft.com/office/drawing/2010/main" val="0"/>
+                </a:ext>
+              </a:extLst>
+            </a:blip>
+            <a:srcRect t="76760"/>
+            <a:stretch/>
+          </p:blipFill>
+          <p:spPr bwMode="auto">
+            <a:xfrm>
+              <a:off x="9014678" y="1083922"/>
+              <a:ext cx="3177322" cy="226931"/>
+            </a:xfrm>
+            <a:prstGeom prst="rect">
+              <a:avLst/>
+            </a:prstGeom>
+            <a:noFill/>
+            <a:effectLst/>
+            <a:extLst>
+              <a:ext uri="{909E8E84-426E-40DD-AFC4-6F175D3DCCD1}">
+                <a14:hiddenFill xmlns:a14="http://schemas.microsoft.com/office/drawing/2010/main">
+                  <a:solidFill>
+                    <a:srgbClr val="FFFFFF"/>
+                  </a:solidFill>
+                </a14:hiddenFill>
+              </a:ext>
+            </a:extLst>
+          </p:spPr>
+        </p:pic>
+      </p:grpSp>
+      <p:pic>
+        <p:nvPicPr>
+          <p:cNvPr id="9" name="Gráfico 8" descr="Frasco"/>
+          <p:cNvPicPr>
+            <a:picLocks noChangeAspect="1"/>
+          </p:cNvPicPr>
+          <p:nvPr/>
+        </p:nvPicPr>
+        <p:blipFill>
+          <a:blip r:embed="rId5">
+            <a:extLst>
+              <a:ext uri="{28A0092B-C50C-407E-A947-70E740481C1C}">
+                <a14:useLocalDpi xmlns:a14="http://schemas.microsoft.com/office/drawing/2010/main" val="0"/>
+              </a:ext>
+              <a:ext uri="{96DAC541-7B7A-43D3-8B79-37D633B846F1}">
+                <asvg:svgBlip xmlns:asvg="http://schemas.microsoft.com/office/drawing/2016/SVG/main" r:embed="rId6"/>
+              </a:ext>
+            </a:extLst>
+          </a:blip>
+          <a:stretch>
+            <a:fillRect/>
+          </a:stretch>
+        </p:blipFill>
+        <p:spPr>
+          <a:xfrm>
+            <a:off x="11051979" y="5262733"/>
+            <a:ext cx="1595267" cy="1595267"/>
+          </a:xfrm>
+          <a:prstGeom prst="rect">
+            <a:avLst/>
+          </a:prstGeom>
+          <a:ln>
+            <a:noFill/>
+          </a:ln>
+        </p:spPr>
+      </p:pic>
+      <p:grpSp>
+        <p:nvGrpSpPr>
+          <p:cNvPr id="10" name="Agrupar 9">
+            <a:extLst>
+              <a:ext uri="{FF2B5EF4-FFF2-40B4-BE49-F238E27FC236}">
+                <a16:creationId xmlns:a16="http://schemas.microsoft.com/office/drawing/2014/main" id="{8EB970CB-86B5-459F-9C5A-048B325DF8C1}"/>
+              </a:ext>
+            </a:extLst>
+          </p:cNvPr>
+          <p:cNvGrpSpPr/>
+          <p:nvPr/>
+        </p:nvGrpSpPr>
+        <p:grpSpPr>
+          <a:xfrm>
+            <a:off x="222738" y="1560892"/>
+            <a:ext cx="11144951" cy="1422911"/>
+            <a:chOff x="222738" y="2028575"/>
+            <a:chExt cx="11144951" cy="1422911"/>
+          </a:xfrm>
+        </p:grpSpPr>
+        <p:pic>
+          <p:nvPicPr>
+            <p:cNvPr id="4" name="Imagem 3">
+              <a:extLst>
+                <a:ext uri="{FF2B5EF4-FFF2-40B4-BE49-F238E27FC236}">
+                  <a16:creationId xmlns:a16="http://schemas.microsoft.com/office/drawing/2014/main" id="{BA84B0F2-2831-4B5D-9F5D-B83ADEBDC46A}"/>
+                </a:ext>
+              </a:extLst>
+            </p:cNvPr>
+            <p:cNvPicPr>
+              <a:picLocks noChangeAspect="1"/>
+            </p:cNvPicPr>
+            <p:nvPr/>
+          </p:nvPicPr>
+          <p:blipFill rotWithShape="1">
+            <a:blip r:embed="rId7"/>
+            <a:srcRect t="3597" r="18269" b="77037"/>
+            <a:stretch/>
+          </p:blipFill>
+          <p:spPr>
+            <a:xfrm>
+              <a:off x="222738" y="2028575"/>
+              <a:ext cx="11144951" cy="1422911"/>
+            </a:xfrm>
+            <a:prstGeom prst="rect">
+              <a:avLst/>
+            </a:prstGeom>
+          </p:spPr>
+        </p:pic>
+        <p:sp>
+          <p:nvSpPr>
+            <p:cNvPr id="5" name="Retângulo 4">
+              <a:extLst>
+                <a:ext uri="{FF2B5EF4-FFF2-40B4-BE49-F238E27FC236}">
+                  <a16:creationId xmlns:a16="http://schemas.microsoft.com/office/drawing/2014/main" id="{A3B75F16-AE3C-4367-B6B6-510CDC5F6CB5}"/>
+                </a:ext>
+              </a:extLst>
+            </p:cNvPr>
+            <p:cNvSpPr/>
+            <p:nvPr/>
+          </p:nvSpPr>
+          <p:spPr>
+            <a:xfrm>
+              <a:off x="4295298" y="2028576"/>
+              <a:ext cx="968364" cy="444993"/>
+            </a:xfrm>
+            <a:prstGeom prst="rect">
+              <a:avLst/>
+            </a:prstGeom>
+            <a:noFill/>
+          </p:spPr>
+          <p:style>
+            <a:lnRef idx="2">
+              <a:schemeClr val="accent2"/>
+            </a:lnRef>
+            <a:fillRef idx="1">
+              <a:schemeClr val="lt1"/>
+            </a:fillRef>
+            <a:effectRef idx="0">
+              <a:schemeClr val="accent2"/>
+            </a:effectRef>
+            <a:fontRef idx="minor">
+              <a:schemeClr val="dk1"/>
+            </a:fontRef>
+          </p:style>
+          <p:txBody>
+            <a:bodyPr rtlCol="0" anchor="ctr"/>
+            <a:lstStyle/>
+            <a:p>
+              <a:pPr algn="ctr"/>
+              <a:endParaRPr lang="pt-BR"/>
+            </a:p>
+          </p:txBody>
+        </p:sp>
+        <p:sp>
+          <p:nvSpPr>
+            <p:cNvPr id="12" name="Retângulo 11">
+              <a:extLst>
+                <a:ext uri="{FF2B5EF4-FFF2-40B4-BE49-F238E27FC236}">
+                  <a16:creationId xmlns:a16="http://schemas.microsoft.com/office/drawing/2014/main" id="{EA20A145-9402-4970-B42F-0F78235AABB2}"/>
+                </a:ext>
+              </a:extLst>
+            </p:cNvPr>
+            <p:cNvSpPr/>
+            <p:nvPr/>
+          </p:nvSpPr>
+          <p:spPr>
+            <a:xfrm>
+              <a:off x="10083615" y="2841800"/>
+              <a:ext cx="1284074" cy="280299"/>
+            </a:xfrm>
+            <a:prstGeom prst="rect">
+              <a:avLst/>
+            </a:prstGeom>
+            <a:noFill/>
+          </p:spPr>
+          <p:style>
+            <a:lnRef idx="2">
+              <a:schemeClr val="accent2"/>
+            </a:lnRef>
+            <a:fillRef idx="1">
+              <a:schemeClr val="lt1"/>
+            </a:fillRef>
+            <a:effectRef idx="0">
+              <a:schemeClr val="accent2"/>
+            </a:effectRef>
+            <a:fontRef idx="minor">
+              <a:schemeClr val="dk1"/>
+            </a:fontRef>
+          </p:style>
+          <p:txBody>
+            <a:bodyPr rtlCol="0" anchor="ctr"/>
+            <a:lstStyle/>
+            <a:p>
+              <a:pPr algn="ctr"/>
+              <a:endParaRPr lang="pt-BR"/>
+            </a:p>
+          </p:txBody>
+        </p:sp>
+      </p:grpSp>
+      <p:pic>
+        <p:nvPicPr>
+          <p:cNvPr id="13" name="Imagem 12">
+            <a:extLst>
+              <a:ext uri="{FF2B5EF4-FFF2-40B4-BE49-F238E27FC236}">
+                <a16:creationId xmlns:a16="http://schemas.microsoft.com/office/drawing/2014/main" id="{E0B351CC-93FE-41E5-9DC6-D4A494ABCF46}"/>
+              </a:ext>
+            </a:extLst>
+          </p:cNvPr>
+          <p:cNvPicPr>
+            <a:picLocks noChangeAspect="1"/>
+          </p:cNvPicPr>
+          <p:nvPr/>
+        </p:nvPicPr>
+        <p:blipFill rotWithShape="1">
+          <a:blip r:embed="rId8"/>
+          <a:srcRect t="20240" r="56058" b="26142"/>
+          <a:stretch/>
+        </p:blipFill>
+        <p:spPr>
+          <a:xfrm>
+            <a:off x="234461" y="2866142"/>
+            <a:ext cx="5818829" cy="3991858"/>
+          </a:xfrm>
+          <a:prstGeom prst="rect">
+            <a:avLst/>
+          </a:prstGeom>
+        </p:spPr>
+      </p:pic>
+      <p:sp>
+        <p:nvSpPr>
+          <p:cNvPr id="14" name="Título 1">
+            <a:extLst>
+              <a:ext uri="{FF2B5EF4-FFF2-40B4-BE49-F238E27FC236}">
+                <a16:creationId xmlns:a16="http://schemas.microsoft.com/office/drawing/2014/main" id="{CCFA46AC-1CEC-40DD-92F6-68B64F54BC8D}"/>
+              </a:ext>
+            </a:extLst>
+          </p:cNvPr>
+          <p:cNvSpPr txBox="1">
+            <a:spLocks/>
+          </p:cNvSpPr>
+          <p:nvPr/>
+        </p:nvSpPr>
+        <p:spPr>
+          <a:xfrm>
+            <a:off x="5602162" y="3289083"/>
+            <a:ext cx="6589838" cy="810170"/>
+          </a:xfrm>
+          <a:prstGeom prst="rect">
+            <a:avLst/>
+          </a:prstGeom>
+          <a:ln>
+            <a:noFill/>
+          </a:ln>
+          <a:effectLst>
+            <a:outerShdw blurRad="44450" dist="27940" dir="5400000" algn="ctr">
+              <a:srgbClr val="000000">
+                <a:alpha val="32000"/>
+              </a:srgbClr>
+            </a:outerShdw>
+          </a:effectLst>
+          <a:scene3d>
+            <a:camera prst="orthographicFront">
+              <a:rot lat="0" lon="0" rev="0"/>
+            </a:camera>
+            <a:lightRig rig="balanced" dir="t">
+              <a:rot lat="0" lon="0" rev="8700000"/>
+            </a:lightRig>
+          </a:scene3d>
+          <a:sp3d>
+            <a:bevelT w="190500" h="38100"/>
+          </a:sp3d>
+        </p:spPr>
+        <p:txBody>
+          <a:bodyPr vert="horz" lIns="91440" tIns="45720" rIns="91440" bIns="45720" rtlCol="0" anchor="ctr">
+            <a:noAutofit/>
+          </a:bodyPr>
+          <a:lstStyle>
+            <a:lvl1pPr algn="ctr" defTabSz="1218804" rtl="0" eaLnBrk="1" latinLnBrk="0" hangingPunct="1">
+              <a:spcBef>
+                <a:spcPct val="0"/>
+              </a:spcBef>
+              <a:buNone/>
+              <a:defRPr sz="5865" kern="1200">
+                <a:solidFill>
+                  <a:schemeClr val="tx1"/>
+                </a:solidFill>
+                <a:latin typeface="+mj-lt"/>
+                <a:ea typeface="+mj-ea"/>
+                <a:cs typeface="+mj-cs"/>
+              </a:defRPr>
+            </a:lvl1pPr>
+          </a:lstStyle>
+          <a:p>
+            <a:pPr marL="1143000" indent="-1143000" algn="l">
+              <a:buFont typeface="Arial" panose="020B0604020202020204" pitchFamily="34" charset="0"/>
+              <a:buChar char="•"/>
+            </a:pPr>
+            <a:r>
+              <a:rPr lang="pt-BR" sz="4800" dirty="0">
+                <a:solidFill>
+                  <a:srgbClr val="255EA9"/>
+                </a:solidFill>
+                <a:latin typeface="Arial" panose="020B0604020202020204" pitchFamily="34" charset="0"/>
+                <a:cs typeface="Arial" panose="020B0604020202020204" pitchFamily="34" charset="0"/>
+              </a:rPr>
+              <a:t>Avaliar Fórmulas</a:t>
+            </a:r>
+          </a:p>
+        </p:txBody>
+      </p:sp>
+    </p:spTree>
+    <p:extLst>
+      <p:ext uri="{BB962C8B-B14F-4D97-AF65-F5344CB8AC3E}">
+        <p14:creationId xmlns:p14="http://schemas.microsoft.com/office/powerpoint/2010/main" val="3866600545"/>
+      </p:ext>
+    </p:extLst>
+  </p:cSld>
+  <p:clrMapOvr>
+    <a:masterClrMapping/>
+  </p:clrMapOvr>
+  <mc:AlternateContent xmlns:mc="http://schemas.openxmlformats.org/markup-compatibility/2006" xmlns:p159="http://schemas.microsoft.com/office/powerpoint/2015/09/main">
+    <mc:Choice Requires="p159">
+      <p:transition xmlns:p14="http://schemas.microsoft.com/office/powerpoint/2010/main" spd="slow" p14:dur="2000">
+        <p159:morph option="byObject"/>
+      </p:transition>
+    </mc:Choice>
+    <mc:Fallback xmlns="">
+      <p:transition spd="slow">
+        <p:fade/>
+      </p:transition>
+    </mc:Fallback>
+  </mc:AlternateContent>
+</p:sld>
+</file>
+
+<file path=ppt/slides/slide9.xml><?xml version="1.0" encoding="utf-8"?>
+<p:sld xmlns:a="http://schemas.openxmlformats.org/drawingml/2006/main" xmlns:r="http://schemas.openxmlformats.org/officeDocument/2006/relationships" xmlns:p="http://schemas.openxmlformats.org/presentationml/2006/main">
+  <p:cSld>
+    <p:spTree>
+      <p:nvGrpSpPr>
+        <p:cNvPr id="1" name=""/>
+        <p:cNvGrpSpPr/>
+        <p:nvPr/>
+      </p:nvGrpSpPr>
+      <p:grpSpPr>
+        <a:xfrm>
+          <a:off x="0" y="0"/>
+          <a:ext cx="0" cy="0"/>
+          <a:chOff x="0" y="0"/>
+          <a:chExt cx="0" cy="0"/>
+        </a:xfrm>
+      </p:grpSpPr>
+      <p:sp>
+        <p:nvSpPr>
+          <p:cNvPr id="6" name="Retângulo 5"/>
+          <p:cNvSpPr/>
+          <p:nvPr/>
+        </p:nvSpPr>
+        <p:spPr>
+          <a:xfrm flipH="1">
+            <a:off x="-4763" y="165794"/>
+            <a:ext cx="12192000" cy="1309753"/>
+          </a:xfrm>
+          <a:prstGeom prst="rect">
+            <a:avLst/>
+          </a:prstGeom>
+          <a:solidFill>
+            <a:srgbClr val="DC474B"/>
+          </a:solidFill>
+          <a:ln>
+            <a:noFill/>
+          </a:ln>
+          <a:effectLst>
+            <a:glow>
+              <a:schemeClr val="accent1"/>
+            </a:glow>
+          </a:effectLst>
+        </p:spPr>
+        <p:style>
+          <a:lnRef idx="2">
+            <a:schemeClr val="accent1">
+              <a:shade val="50000"/>
+            </a:schemeClr>
+          </a:lnRef>
+          <a:fillRef idx="1">
+            <a:schemeClr val="accent1"/>
+          </a:fillRef>
+          <a:effectRef idx="0">
+            <a:schemeClr val="accent1"/>
+          </a:effectRef>
+          <a:fontRef idx="minor">
+            <a:schemeClr val="lt1"/>
+          </a:fontRef>
+        </p:style>
+        <p:txBody>
+          <a:bodyPr rtlCol="0" anchor="ctr"/>
+          <a:lstStyle/>
+          <a:p>
+            <a:pPr algn="ctr"/>
+            <a:endParaRPr lang="pt-BR"/>
+          </a:p>
+        </p:txBody>
+      </p:sp>
+      <p:sp>
+        <p:nvSpPr>
+          <p:cNvPr id="2" name="Título 1"/>
+          <p:cNvSpPr>
+            <a:spLocks noGrp="1"/>
+          </p:cNvSpPr>
+          <p:nvPr>
+            <p:ph type="ctrTitle"/>
+          </p:nvPr>
+        </p:nvSpPr>
+        <p:spPr>
+          <a:xfrm>
+            <a:off x="-4763" y="80449"/>
+            <a:ext cx="9725538" cy="1223237"/>
+          </a:xfrm>
+          <a:ln>
+            <a:noFill/>
+          </a:ln>
+          <a:effectLst>
+            <a:outerShdw blurRad="44450" dist="27940" dir="5400000" algn="ctr">
+              <a:schemeClr val="tx1">
+                <a:alpha val="32000"/>
+              </a:schemeClr>
+            </a:outerShdw>
+          </a:effectLst>
+          <a:scene3d>
+            <a:camera prst="orthographicFront">
+              <a:rot lat="0" lon="0" rev="0"/>
+            </a:camera>
+            <a:lightRig rig="balanced" dir="t">
+              <a:rot lat="0" lon="0" rev="8700000"/>
+            </a:lightRig>
+          </a:scene3d>
+          <a:sp3d>
+            <a:bevelT w="190500" h="38100"/>
+          </a:sp3d>
+        </p:spPr>
+        <p:txBody>
+          <a:bodyPr>
+            <a:noAutofit/>
+          </a:bodyPr>
+          <a:lstStyle/>
+          <a:p>
+            <a:pPr algn="l"/>
+            <a:r>
+              <a:rPr lang="pt-BR" sz="6000" dirty="0">
+                <a:solidFill>
+                  <a:schemeClr val="bg1"/>
+                </a:solidFill>
+                <a:latin typeface="Arial" panose="020B0604020202020204" pitchFamily="34" charset="0"/>
+                <a:cs typeface="Arial" panose="020B0604020202020204" pitchFamily="34" charset="0"/>
+              </a:rPr>
+              <a:t>Auditoria de Fórmulas:</a:t>
+            </a:r>
+            <a:endParaRPr lang="pt-BR" sz="7200" dirty="0">
+              <a:solidFill>
+                <a:schemeClr val="bg1"/>
+              </a:solidFill>
+              <a:latin typeface="Arial" panose="020B0604020202020204" pitchFamily="34" charset="0"/>
+              <a:cs typeface="Arial" panose="020B0604020202020204" pitchFamily="34" charset="0"/>
+            </a:endParaRPr>
+          </a:p>
+        </p:txBody>
+      </p:sp>
+      <p:grpSp>
+        <p:nvGrpSpPr>
+          <p:cNvPr id="3" name="Grupo 2"/>
+          <p:cNvGrpSpPr/>
+          <p:nvPr/>
+        </p:nvGrpSpPr>
+        <p:grpSpPr>
+          <a:xfrm>
+            <a:off x="9009915" y="332447"/>
+            <a:ext cx="3182085" cy="978406"/>
+            <a:chOff x="9009915" y="332447"/>
+            <a:chExt cx="3182085" cy="978406"/>
+          </a:xfrm>
+        </p:grpSpPr>
+        <p:pic>
+          <p:nvPicPr>
+            <p:cNvPr id="1026" name="Picture 2" descr="http://www.ccbeusorocaba.com.br/wp-content/uploads/2014/10/logo-site.png"/>
+            <p:cNvPicPr>
+              <a:picLocks noChangeAspect="1" noChangeArrowheads="1"/>
+            </p:cNvPicPr>
+            <p:nvPr/>
+          </p:nvPicPr>
+          <p:blipFill rotWithShape="1">
+            <a:blip r:embed="rId2">
+              <a:biLevel thresh="25000"/>
+              <a:extLst>
+                <a:ext uri="{28A0092B-C50C-407E-A947-70E740481C1C}">
+                  <a14:useLocalDpi xmlns:a14="http://schemas.microsoft.com/office/drawing/2010/main" val="0"/>
+                </a:ext>
+              </a:extLst>
+            </a:blip>
+            <a:srcRect b="22842"/>
+            <a:stretch/>
+          </p:blipFill>
+          <p:spPr bwMode="auto">
+            <a:xfrm>
+              <a:off x="9009915" y="332447"/>
+              <a:ext cx="3177322" cy="753404"/>
+            </a:xfrm>
+            <a:prstGeom prst="rect">
+              <a:avLst/>
+            </a:prstGeom>
+            <a:noFill/>
+            <a:effectLst/>
+            <a:extLst>
+              <a:ext uri="{909E8E84-426E-40DD-AFC4-6F175D3DCCD1}">
+                <a14:hiddenFill xmlns:a14="http://schemas.microsoft.com/office/drawing/2010/main">
+                  <a:solidFill>
+                    <a:srgbClr val="FFFFFF"/>
+                  </a:solidFill>
+                </a14:hiddenFill>
+              </a:ext>
+            </a:extLst>
+          </p:spPr>
+        </p:pic>
+        <p:pic>
+          <p:nvPicPr>
+            <p:cNvPr id="8" name="Picture 2" descr="http://www.ccbeusorocaba.com.br/wp-content/uploads/2014/10/logo-site.png"/>
+            <p:cNvPicPr>
+              <a:picLocks noChangeAspect="1" noChangeArrowheads="1"/>
+            </p:cNvPicPr>
+            <p:nvPr/>
+          </p:nvPicPr>
+          <p:blipFill rotWithShape="1">
+            <a:blip r:embed="rId3">
+              <a:biLevel thresh="25000"/>
+              <a:extLst>
+                <a:ext uri="{BEBA8EAE-BF5A-486C-A8C5-ECC9F3942E4B}">
+                  <a14:imgProps xmlns:a14="http://schemas.microsoft.com/office/drawing/2010/main">
+                    <a14:imgLayer r:embed="rId4">
+                      <a14:imgEffect>
+                        <a14:brightnessContrast bright="20000" contrast="-40000"/>
+                      </a14:imgEffect>
+                    </a14:imgLayer>
+                  </a14:imgProps>
+                </a:ext>
+                <a:ext uri="{28A0092B-C50C-407E-A947-70E740481C1C}">
+                  <a14:useLocalDpi xmlns:a14="http://schemas.microsoft.com/office/drawing/2010/main" val="0"/>
+                </a:ext>
+              </a:extLst>
+            </a:blip>
+            <a:srcRect t="76760"/>
+            <a:stretch/>
+          </p:blipFill>
+          <p:spPr bwMode="auto">
+            <a:xfrm>
+              <a:off x="9014678" y="1083922"/>
+              <a:ext cx="3177322" cy="226931"/>
+            </a:xfrm>
+            <a:prstGeom prst="rect">
+              <a:avLst/>
+            </a:prstGeom>
+            <a:noFill/>
+            <a:effectLst/>
+            <a:extLst>
+              <a:ext uri="{909E8E84-426E-40DD-AFC4-6F175D3DCCD1}">
+                <a14:hiddenFill xmlns:a14="http://schemas.microsoft.com/office/drawing/2010/main">
+                  <a:solidFill>
+                    <a:srgbClr val="FFFFFF"/>
+                  </a:solidFill>
+                </a14:hiddenFill>
+              </a:ext>
+            </a:extLst>
+          </p:spPr>
+        </p:pic>
+      </p:grpSp>
+      <p:pic>
+        <p:nvPicPr>
+          <p:cNvPr id="9" name="Gráfico 8" descr="Frasco"/>
+          <p:cNvPicPr>
+            <a:picLocks noChangeAspect="1"/>
+          </p:cNvPicPr>
+          <p:nvPr/>
+        </p:nvPicPr>
+        <p:blipFill>
+          <a:blip r:embed="rId5">
+            <a:extLst>
+              <a:ext uri="{28A0092B-C50C-407E-A947-70E740481C1C}">
+                <a14:useLocalDpi xmlns:a14="http://schemas.microsoft.com/office/drawing/2010/main" val="0"/>
+              </a:ext>
+              <a:ext uri="{96DAC541-7B7A-43D3-8B79-37D633B846F1}">
+                <asvg:svgBlip xmlns:asvg="http://schemas.microsoft.com/office/drawing/2016/SVG/main" r:embed="rId6"/>
+              </a:ext>
+            </a:extLst>
+          </a:blip>
+          <a:stretch>
+            <a:fillRect/>
+          </a:stretch>
+        </p:blipFill>
+        <p:spPr>
+          <a:xfrm>
+            <a:off x="11051979" y="5262733"/>
+            <a:ext cx="1595267" cy="1595267"/>
+          </a:xfrm>
+          <a:prstGeom prst="rect">
+            <a:avLst/>
+          </a:prstGeom>
+          <a:ln>
+            <a:noFill/>
+          </a:ln>
+        </p:spPr>
+      </p:pic>
+      <p:sp>
+        <p:nvSpPr>
+          <p:cNvPr id="14" name="Título 1">
+            <a:extLst>
+              <a:ext uri="{FF2B5EF4-FFF2-40B4-BE49-F238E27FC236}">
+                <a16:creationId xmlns:a16="http://schemas.microsoft.com/office/drawing/2014/main" id="{F45631A8-B52C-4414-B92F-086576C58BD0}"/>
+              </a:ext>
+            </a:extLst>
+          </p:cNvPr>
+          <p:cNvSpPr txBox="1">
+            <a:spLocks/>
+          </p:cNvSpPr>
+          <p:nvPr/>
+        </p:nvSpPr>
+        <p:spPr>
+          <a:xfrm>
+            <a:off x="509583" y="1475547"/>
+            <a:ext cx="6747002" cy="810170"/>
+          </a:xfrm>
+          <a:prstGeom prst="rect">
+            <a:avLst/>
+          </a:prstGeom>
+          <a:ln>
+            <a:noFill/>
+          </a:ln>
+          <a:effectLst>
+            <a:outerShdw blurRad="44450" dist="27940" dir="5400000" algn="ctr">
+              <a:srgbClr val="000000">
+                <a:alpha val="32000"/>
+              </a:srgbClr>
+            </a:outerShdw>
+          </a:effectLst>
+          <a:scene3d>
+            <a:camera prst="orthographicFront">
+              <a:rot lat="0" lon="0" rev="0"/>
+            </a:camera>
+            <a:lightRig rig="balanced" dir="t">
+              <a:rot lat="0" lon="0" rev="8700000"/>
+            </a:lightRig>
+          </a:scene3d>
+          <a:sp3d>
+            <a:bevelT w="190500" h="38100"/>
+          </a:sp3d>
+        </p:spPr>
+        <p:txBody>
+          <a:bodyPr vert="horz" lIns="91440" tIns="45720" rIns="91440" bIns="45720" rtlCol="0" anchor="ctr">
+            <a:noAutofit/>
+          </a:bodyPr>
+          <a:lstStyle>
+            <a:lvl1pPr algn="ctr" defTabSz="1218804" rtl="0" eaLnBrk="1" latinLnBrk="0" hangingPunct="1">
+              <a:spcBef>
+                <a:spcPct val="0"/>
+              </a:spcBef>
+              <a:buNone/>
+              <a:defRPr sz="5865" kern="1200">
+                <a:solidFill>
+                  <a:schemeClr val="tx1"/>
+                </a:solidFill>
+                <a:latin typeface="+mj-lt"/>
+                <a:ea typeface="+mj-ea"/>
+                <a:cs typeface="+mj-cs"/>
+              </a:defRPr>
+            </a:lvl1pPr>
+          </a:lstStyle>
+          <a:p>
+            <a:pPr marL="1143000" indent="-1143000" algn="l">
+              <a:buFont typeface="Arial" panose="020B0604020202020204" pitchFamily="34" charset="0"/>
+              <a:buChar char="•"/>
+            </a:pPr>
+            <a:r>
+              <a:rPr lang="pt-BR" sz="4800" dirty="0">
+                <a:solidFill>
+                  <a:srgbClr val="255EA9"/>
+                </a:solidFill>
+                <a:latin typeface="Arial" panose="020B0604020202020204" pitchFamily="34" charset="0"/>
+                <a:cs typeface="Arial" panose="020B0604020202020204" pitchFamily="34" charset="0"/>
+              </a:rPr>
+              <a:t>Mostrar Fórmulas</a:t>
+            </a:r>
+          </a:p>
+        </p:txBody>
+      </p:sp>
+      <p:pic>
+        <p:nvPicPr>
+          <p:cNvPr id="5" name="Imagem 4">
+            <a:extLst>
+              <a:ext uri="{FF2B5EF4-FFF2-40B4-BE49-F238E27FC236}">
+                <a16:creationId xmlns:a16="http://schemas.microsoft.com/office/drawing/2014/main" id="{0E535C93-1907-4316-AFB9-E731BEB209C2}"/>
+              </a:ext>
+            </a:extLst>
+          </p:cNvPr>
+          <p:cNvPicPr>
+            <a:picLocks noChangeAspect="1"/>
+          </p:cNvPicPr>
+          <p:nvPr/>
+        </p:nvPicPr>
+        <p:blipFill rotWithShape="1">
+          <a:blip r:embed="rId7"/>
+          <a:srcRect t="4825" r="14000" b="60716"/>
+          <a:stretch/>
+        </p:blipFill>
+        <p:spPr>
+          <a:xfrm>
+            <a:off x="113456" y="2709887"/>
+            <a:ext cx="11432368" cy="2575372"/>
+          </a:xfrm>
+          <a:prstGeom prst="rect">
+            <a:avLst/>
+          </a:prstGeom>
+        </p:spPr>
+      </p:pic>
+      <p:sp>
+        <p:nvSpPr>
+          <p:cNvPr id="11" name="Retângulo 10">
+            <a:extLst>
+              <a:ext uri="{FF2B5EF4-FFF2-40B4-BE49-F238E27FC236}">
+                <a16:creationId xmlns:a16="http://schemas.microsoft.com/office/drawing/2014/main" id="{6AAE441D-AEE6-4581-A197-C9A2534FD435}"/>
+              </a:ext>
+            </a:extLst>
+          </p:cNvPr>
+          <p:cNvSpPr/>
+          <p:nvPr/>
+        </p:nvSpPr>
+        <p:spPr>
+          <a:xfrm>
+            <a:off x="9720775" y="2990331"/>
+            <a:ext cx="1331204" cy="252741"/>
+          </a:xfrm>
+          <a:prstGeom prst="rect">
+            <a:avLst/>
+          </a:prstGeom>
+          <a:noFill/>
+        </p:spPr>
+        <p:style>
+          <a:lnRef idx="2">
+            <a:schemeClr val="accent2"/>
+          </a:lnRef>
+          <a:fillRef idx="1">
+            <a:schemeClr val="lt1"/>
+          </a:fillRef>
+          <a:effectRef idx="0">
+            <a:schemeClr val="accent2"/>
+          </a:effectRef>
+          <a:fontRef idx="minor">
+            <a:schemeClr val="dk1"/>
+          </a:fontRef>
+        </p:style>
+        <p:txBody>
+          <a:bodyPr rtlCol="0" anchor="ctr"/>
+          <a:lstStyle/>
+          <a:p>
+            <a:pPr algn="ctr"/>
+            <a:endParaRPr lang="pt-BR">
+              <a:effectLst>
+                <a:glow rad="139700">
+                  <a:schemeClr val="accent2">
+                    <a:satMod val="175000"/>
+                    <a:alpha val="40000"/>
+                  </a:schemeClr>
+                </a:glow>
+              </a:effectLst>
+            </a:endParaRPr>
+          </a:p>
+        </p:txBody>
+      </p:sp>
+    </p:spTree>
+    <p:extLst>
+      <p:ext uri="{BB962C8B-B14F-4D97-AF65-F5344CB8AC3E}">
+        <p14:creationId xmlns:p14="http://schemas.microsoft.com/office/powerpoint/2010/main" val="4034061515"/>
       </p:ext>
     </p:extLst>
   </p:cSld>
